--- a/Slides/3_Estructuras condicionales.pptx
+++ b/Slides/3_Estructuras condicionales.pptx
@@ -5,31 +5,34 @@
     <p:sldMasterId id="2147483659" r:id="rId1"/>
   </p:sldMasterIdLst>
   <p:notesMasterIdLst>
-    <p:notesMasterId r:id="rId24"/>
+    <p:notesMasterId r:id="rId27"/>
   </p:notesMasterIdLst>
   <p:sldIdLst>
     <p:sldId id="256" r:id="rId2"/>
     <p:sldId id="257" r:id="rId3"/>
-    <p:sldId id="268" r:id="rId4"/>
-    <p:sldId id="269" r:id="rId5"/>
-    <p:sldId id="270" r:id="rId6"/>
-    <p:sldId id="272" r:id="rId7"/>
-    <p:sldId id="271" r:id="rId8"/>
-    <p:sldId id="273" r:id="rId9"/>
-    <p:sldId id="275" r:id="rId10"/>
-    <p:sldId id="278" r:id="rId11"/>
-    <p:sldId id="274" r:id="rId12"/>
-    <p:sldId id="280" r:id="rId13"/>
-    <p:sldId id="279" r:id="rId14"/>
-    <p:sldId id="284" r:id="rId15"/>
-    <p:sldId id="287" r:id="rId16"/>
-    <p:sldId id="286" r:id="rId17"/>
-    <p:sldId id="285" r:id="rId18"/>
-    <p:sldId id="283" r:id="rId19"/>
-    <p:sldId id="282" r:id="rId20"/>
-    <p:sldId id="277" r:id="rId21"/>
-    <p:sldId id="266" r:id="rId22"/>
-    <p:sldId id="267" r:id="rId23"/>
+    <p:sldId id="289" r:id="rId4"/>
+    <p:sldId id="268" r:id="rId5"/>
+    <p:sldId id="269" r:id="rId6"/>
+    <p:sldId id="270" r:id="rId7"/>
+    <p:sldId id="272" r:id="rId8"/>
+    <p:sldId id="288" r:id="rId9"/>
+    <p:sldId id="271" r:id="rId10"/>
+    <p:sldId id="273" r:id="rId11"/>
+    <p:sldId id="275" r:id="rId12"/>
+    <p:sldId id="278" r:id="rId13"/>
+    <p:sldId id="274" r:id="rId14"/>
+    <p:sldId id="280" r:id="rId15"/>
+    <p:sldId id="279" r:id="rId16"/>
+    <p:sldId id="284" r:id="rId17"/>
+    <p:sldId id="287" r:id="rId18"/>
+    <p:sldId id="286" r:id="rId19"/>
+    <p:sldId id="285" r:id="rId20"/>
+    <p:sldId id="283" r:id="rId21"/>
+    <p:sldId id="282" r:id="rId22"/>
+    <p:sldId id="277" r:id="rId23"/>
+    <p:sldId id="266" r:id="rId24"/>
+    <p:sldId id="290" r:id="rId25"/>
+    <p:sldId id="267" r:id="rId26"/>
   </p:sldIdLst>
   <p:sldSz cx="13817600" cy="7772400"/>
   <p:notesSz cx="6858000" cy="9144000"/>
@@ -407,6 +410,370 @@
             <pc:docMk/>
             <pc:sldMk cId="483647248" sldId="287"/>
             <ac:spMk id="2" creationId="{00000000-0000-0000-0000-000000000000}"/>
+          </ac:spMkLst>
+        </pc:spChg>
+      </pc:sldChg>
+    </pc:docChg>
+  </pc:docChgLst>
+  <pc:docChgLst>
+    <pc:chgData name="Cesar Augusto Lopez Gallego" userId="0dfa9112-9251-4882-b472-cf2dfcee09d1" providerId="ADAL" clId="{2C455F85-5D82-492E-9CD8-10137D83A03A}"/>
+    <pc:docChg chg="undo redo custSel addSld delSld modSld">
+      <pc:chgData name="Cesar Augusto Lopez Gallego" userId="0dfa9112-9251-4882-b472-cf2dfcee09d1" providerId="ADAL" clId="{2C455F85-5D82-492E-9CD8-10137D83A03A}" dt="2024-07-30T14:29:03.859" v="1661"/>
+      <pc:docMkLst>
+        <pc:docMk/>
+      </pc:docMkLst>
+      <pc:sldChg chg="modSp mod">
+        <pc:chgData name="Cesar Augusto Lopez Gallego" userId="0dfa9112-9251-4882-b472-cf2dfcee09d1" providerId="ADAL" clId="{2C455F85-5D82-492E-9CD8-10137D83A03A}" dt="2024-07-30T14:21:05.367" v="1157" actId="1076"/>
+        <pc:sldMkLst>
+          <pc:docMk/>
+          <pc:sldMk cId="2883973103" sldId="285"/>
+        </pc:sldMkLst>
+        <pc:spChg chg="mod">
+          <ac:chgData name="Cesar Augusto Lopez Gallego" userId="0dfa9112-9251-4882-b472-cf2dfcee09d1" providerId="ADAL" clId="{2C455F85-5D82-492E-9CD8-10137D83A03A}" dt="2024-07-30T14:21:05.367" v="1157" actId="1076"/>
+          <ac:spMkLst>
+            <pc:docMk/>
+            <pc:sldMk cId="2883973103" sldId="285"/>
+            <ac:spMk id="6" creationId="{00000000-0000-0000-0000-000000000000}"/>
+          </ac:spMkLst>
+        </pc:spChg>
+        <pc:spChg chg="mod">
+          <ac:chgData name="Cesar Augusto Lopez Gallego" userId="0dfa9112-9251-4882-b472-cf2dfcee09d1" providerId="ADAL" clId="{2C455F85-5D82-492E-9CD8-10137D83A03A}" dt="2024-07-30T14:21:05.367" v="1157" actId="1076"/>
+          <ac:spMkLst>
+            <pc:docMk/>
+            <pc:sldMk cId="2883973103" sldId="285"/>
+            <ac:spMk id="7" creationId="{00000000-0000-0000-0000-000000000000}"/>
+          </ac:spMkLst>
+        </pc:spChg>
+        <pc:spChg chg="mod">
+          <ac:chgData name="Cesar Augusto Lopez Gallego" userId="0dfa9112-9251-4882-b472-cf2dfcee09d1" providerId="ADAL" clId="{2C455F85-5D82-492E-9CD8-10137D83A03A}" dt="2024-07-30T14:21:05.367" v="1157" actId="1076"/>
+          <ac:spMkLst>
+            <pc:docMk/>
+            <pc:sldMk cId="2883973103" sldId="285"/>
+            <ac:spMk id="8" creationId="{00000000-0000-0000-0000-000000000000}"/>
+          </ac:spMkLst>
+        </pc:spChg>
+        <pc:spChg chg="mod">
+          <ac:chgData name="Cesar Augusto Lopez Gallego" userId="0dfa9112-9251-4882-b472-cf2dfcee09d1" providerId="ADAL" clId="{2C455F85-5D82-492E-9CD8-10137D83A03A}" dt="2024-07-30T14:21:05.367" v="1157" actId="1076"/>
+          <ac:spMkLst>
+            <pc:docMk/>
+            <pc:sldMk cId="2883973103" sldId="285"/>
+            <ac:spMk id="9" creationId="{00000000-0000-0000-0000-000000000000}"/>
+          </ac:spMkLst>
+        </pc:spChg>
+        <pc:spChg chg="mod">
+          <ac:chgData name="Cesar Augusto Lopez Gallego" userId="0dfa9112-9251-4882-b472-cf2dfcee09d1" providerId="ADAL" clId="{2C455F85-5D82-492E-9CD8-10137D83A03A}" dt="2024-07-30T14:21:05.367" v="1157" actId="1076"/>
+          <ac:spMkLst>
+            <pc:docMk/>
+            <pc:sldMk cId="2883973103" sldId="285"/>
+            <ac:spMk id="10" creationId="{00000000-0000-0000-0000-000000000000}"/>
+          </ac:spMkLst>
+        </pc:spChg>
+      </pc:sldChg>
+      <pc:sldChg chg="addSp delSp modSp new del mod">
+        <pc:chgData name="Cesar Augusto Lopez Gallego" userId="0dfa9112-9251-4882-b472-cf2dfcee09d1" providerId="ADAL" clId="{2C455F85-5D82-492E-9CD8-10137D83A03A}" dt="2024-07-29T21:53:06.516" v="532" actId="2696"/>
+        <pc:sldMkLst>
+          <pc:docMk/>
+          <pc:sldMk cId="1316401285" sldId="288"/>
+        </pc:sldMkLst>
+        <pc:spChg chg="mod">
+          <ac:chgData name="Cesar Augusto Lopez Gallego" userId="0dfa9112-9251-4882-b472-cf2dfcee09d1" providerId="ADAL" clId="{2C455F85-5D82-492E-9CD8-10137D83A03A}" dt="2024-07-29T20:52:46.944" v="41" actId="404"/>
+          <ac:spMkLst>
+            <pc:docMk/>
+            <pc:sldMk cId="1316401285" sldId="288"/>
+            <ac:spMk id="2" creationId="{4495E86E-CC4C-4320-B20C-D93DA778B0A9}"/>
+          </ac:spMkLst>
+        </pc:spChg>
+        <pc:spChg chg="del mod">
+          <ac:chgData name="Cesar Augusto Lopez Gallego" userId="0dfa9112-9251-4882-b472-cf2dfcee09d1" providerId="ADAL" clId="{2C455F85-5D82-492E-9CD8-10137D83A03A}" dt="2024-07-29T20:52:55.482" v="43" actId="478"/>
+          <ac:spMkLst>
+            <pc:docMk/>
+            <pc:sldMk cId="1316401285" sldId="288"/>
+            <ac:spMk id="3" creationId="{597437C4-3DEE-43E9-9EA6-F5063E333FA0}"/>
+          </ac:spMkLst>
+        </pc:spChg>
+        <pc:spChg chg="add mod">
+          <ac:chgData name="Cesar Augusto Lopez Gallego" userId="0dfa9112-9251-4882-b472-cf2dfcee09d1" providerId="ADAL" clId="{2C455F85-5D82-492E-9CD8-10137D83A03A}" dt="2024-07-29T20:58:15.079" v="353" actId="1076"/>
+          <ac:spMkLst>
+            <pc:docMk/>
+            <pc:sldMk cId="1316401285" sldId="288"/>
+            <ac:spMk id="4" creationId="{4D951BF3-6372-49F4-A3B0-01404DE38A1A}"/>
+          </ac:spMkLst>
+        </pc:spChg>
+        <pc:spChg chg="add mod">
+          <ac:chgData name="Cesar Augusto Lopez Gallego" userId="0dfa9112-9251-4882-b472-cf2dfcee09d1" providerId="ADAL" clId="{2C455F85-5D82-492E-9CD8-10137D83A03A}" dt="2024-07-29T21:04:59.720" v="376" actId="1076"/>
+          <ac:spMkLst>
+            <pc:docMk/>
+            <pc:sldMk cId="1316401285" sldId="288"/>
+            <ac:spMk id="5" creationId="{614BD90D-1164-4105-8C6C-27C3FAD9A8A7}"/>
+          </ac:spMkLst>
+        </pc:spChg>
+        <pc:spChg chg="add mod">
+          <ac:chgData name="Cesar Augusto Lopez Gallego" userId="0dfa9112-9251-4882-b472-cf2dfcee09d1" providerId="ADAL" clId="{2C455F85-5D82-492E-9CD8-10137D83A03A}" dt="2024-07-29T21:04:55.569" v="375" actId="14100"/>
+          <ac:spMkLst>
+            <pc:docMk/>
+            <pc:sldMk cId="1316401285" sldId="288"/>
+            <ac:spMk id="6" creationId="{5806927C-5AA2-4354-8C0A-220599F2BEB6}"/>
+          </ac:spMkLst>
+        </pc:spChg>
+        <pc:spChg chg="add mod">
+          <ac:chgData name="Cesar Augusto Lopez Gallego" userId="0dfa9112-9251-4882-b472-cf2dfcee09d1" providerId="ADAL" clId="{2C455F85-5D82-492E-9CD8-10137D83A03A}" dt="2024-07-29T21:04:50.747" v="373" actId="1076"/>
+          <ac:spMkLst>
+            <pc:docMk/>
+            <pc:sldMk cId="1316401285" sldId="288"/>
+            <ac:spMk id="7" creationId="{BB215FD0-3D5D-41FB-A7FB-501930315C93}"/>
+          </ac:spMkLst>
+        </pc:spChg>
+        <pc:spChg chg="add mod">
+          <ac:chgData name="Cesar Augusto Lopez Gallego" userId="0dfa9112-9251-4882-b472-cf2dfcee09d1" providerId="ADAL" clId="{2C455F85-5D82-492E-9CD8-10137D83A03A}" dt="2024-07-29T21:05:53.716" v="381" actId="14100"/>
+          <ac:spMkLst>
+            <pc:docMk/>
+            <pc:sldMk cId="1316401285" sldId="288"/>
+            <ac:spMk id="8" creationId="{938468C9-DFEE-4050-8960-2C9020B9F999}"/>
+          </ac:spMkLst>
+        </pc:spChg>
+        <pc:spChg chg="add mod">
+          <ac:chgData name="Cesar Augusto Lopez Gallego" userId="0dfa9112-9251-4882-b472-cf2dfcee09d1" providerId="ADAL" clId="{2C455F85-5D82-492E-9CD8-10137D83A03A}" dt="2024-07-29T21:04:43.612" v="371" actId="14100"/>
+          <ac:spMkLst>
+            <pc:docMk/>
+            <pc:sldMk cId="1316401285" sldId="288"/>
+            <ac:spMk id="9" creationId="{3E8DEA80-B1B3-47A7-8727-19BE65FB4299}"/>
+          </ac:spMkLst>
+        </pc:spChg>
+        <pc:spChg chg="add mod">
+          <ac:chgData name="Cesar Augusto Lopez Gallego" userId="0dfa9112-9251-4882-b472-cf2dfcee09d1" providerId="ADAL" clId="{2C455F85-5D82-492E-9CD8-10137D83A03A}" dt="2024-07-29T21:29:22.625" v="531" actId="113"/>
+          <ac:spMkLst>
+            <pc:docMk/>
+            <pc:sldMk cId="1316401285" sldId="288"/>
+            <ac:spMk id="10" creationId="{6137B1B0-BE94-4902-BE3E-38C60ECA7B99}"/>
+          </ac:spMkLst>
+        </pc:spChg>
+        <pc:spChg chg="add mod">
+          <ac:chgData name="Cesar Augusto Lopez Gallego" userId="0dfa9112-9251-4882-b472-cf2dfcee09d1" providerId="ADAL" clId="{2C455F85-5D82-492E-9CD8-10137D83A03A}" dt="2024-07-29T21:26:34.020" v="414" actId="1076"/>
+          <ac:spMkLst>
+            <pc:docMk/>
+            <pc:sldMk cId="1316401285" sldId="288"/>
+            <ac:spMk id="11" creationId="{64BBAB77-5F9D-4C45-A3CB-803A494ACA38}"/>
+          </ac:spMkLst>
+        </pc:spChg>
+        <pc:spChg chg="add mod">
+          <ac:chgData name="Cesar Augusto Lopez Gallego" userId="0dfa9112-9251-4882-b472-cf2dfcee09d1" providerId="ADAL" clId="{2C455F85-5D82-492E-9CD8-10137D83A03A}" dt="2024-07-29T21:26:32.302" v="413" actId="1076"/>
+          <ac:spMkLst>
+            <pc:docMk/>
+            <pc:sldMk cId="1316401285" sldId="288"/>
+            <ac:spMk id="12" creationId="{66A1DE32-CFB7-4840-AD7D-0D0316DF2012}"/>
+          </ac:spMkLst>
+        </pc:spChg>
+        <pc:spChg chg="add mod">
+          <ac:chgData name="Cesar Augusto Lopez Gallego" userId="0dfa9112-9251-4882-b472-cf2dfcee09d1" providerId="ADAL" clId="{2C455F85-5D82-492E-9CD8-10137D83A03A}" dt="2024-07-29T21:26:45.082" v="428" actId="20577"/>
+          <ac:spMkLst>
+            <pc:docMk/>
+            <pc:sldMk cId="1316401285" sldId="288"/>
+            <ac:spMk id="13" creationId="{1B5662B2-7329-4F8B-9C01-956B5F830158}"/>
+          </ac:spMkLst>
+        </pc:spChg>
+      </pc:sldChg>
+      <pc:sldChg chg="modSp add mod">
+        <pc:chgData name="Cesar Augusto Lopez Gallego" userId="0dfa9112-9251-4882-b472-cf2dfcee09d1" providerId="ADAL" clId="{2C455F85-5D82-492E-9CD8-10137D83A03A}" dt="2024-07-30T14:14:03.349" v="687" actId="20577"/>
+        <pc:sldMkLst>
+          <pc:docMk/>
+          <pc:sldMk cId="1382020882" sldId="288"/>
+        </pc:sldMkLst>
+        <pc:spChg chg="mod">
+          <ac:chgData name="Cesar Augusto Lopez Gallego" userId="0dfa9112-9251-4882-b472-cf2dfcee09d1" providerId="ADAL" clId="{2C455F85-5D82-492E-9CD8-10137D83A03A}" dt="2024-07-30T14:13:38.632" v="684" actId="1076"/>
+          <ac:spMkLst>
+            <pc:docMk/>
+            <pc:sldMk cId="1382020882" sldId="288"/>
+            <ac:spMk id="4" creationId="{4D951BF3-6372-49F4-A3B0-01404DE38A1A}"/>
+          </ac:spMkLst>
+        </pc:spChg>
+        <pc:spChg chg="mod">
+          <ac:chgData name="Cesar Augusto Lopez Gallego" userId="0dfa9112-9251-4882-b472-cf2dfcee09d1" providerId="ADAL" clId="{2C455F85-5D82-492E-9CD8-10137D83A03A}" dt="2024-07-30T14:14:00.634" v="686" actId="20577"/>
+          <ac:spMkLst>
+            <pc:docMk/>
+            <pc:sldMk cId="1382020882" sldId="288"/>
+            <ac:spMk id="6" creationId="{5806927C-5AA2-4354-8C0A-220599F2BEB6}"/>
+          </ac:spMkLst>
+        </pc:spChg>
+        <pc:spChg chg="mod">
+          <ac:chgData name="Cesar Augusto Lopez Gallego" userId="0dfa9112-9251-4882-b472-cf2dfcee09d1" providerId="ADAL" clId="{2C455F85-5D82-492E-9CD8-10137D83A03A}" dt="2024-07-30T14:14:03.349" v="687" actId="20577"/>
+          <ac:spMkLst>
+            <pc:docMk/>
+            <pc:sldMk cId="1382020882" sldId="288"/>
+            <ac:spMk id="7" creationId="{BB215FD0-3D5D-41FB-A7FB-501930315C93}"/>
+          </ac:spMkLst>
+        </pc:spChg>
+        <pc:spChg chg="mod">
+          <ac:chgData name="Cesar Augusto Lopez Gallego" userId="0dfa9112-9251-4882-b472-cf2dfcee09d1" providerId="ADAL" clId="{2C455F85-5D82-492E-9CD8-10137D83A03A}" dt="2024-07-30T14:13:57.897" v="685" actId="20577"/>
+          <ac:spMkLst>
+            <pc:docMk/>
+            <pc:sldMk cId="1382020882" sldId="288"/>
+            <ac:spMk id="10" creationId="{6137B1B0-BE94-4902-BE3E-38C60ECA7B99}"/>
+          </ac:spMkLst>
+        </pc:spChg>
+        <pc:spChg chg="mod">
+          <ac:chgData name="Cesar Augusto Lopez Gallego" userId="0dfa9112-9251-4882-b472-cf2dfcee09d1" providerId="ADAL" clId="{2C455F85-5D82-492E-9CD8-10137D83A03A}" dt="2024-07-30T14:13:29.730" v="683" actId="20577"/>
+          <ac:spMkLst>
+            <pc:docMk/>
+            <pc:sldMk cId="1382020882" sldId="288"/>
+            <ac:spMk id="11" creationId="{64BBAB77-5F9D-4C45-A3CB-803A494ACA38}"/>
+          </ac:spMkLst>
+        </pc:spChg>
+        <pc:spChg chg="mod">
+          <ac:chgData name="Cesar Augusto Lopez Gallego" userId="0dfa9112-9251-4882-b472-cf2dfcee09d1" providerId="ADAL" clId="{2C455F85-5D82-492E-9CD8-10137D83A03A}" dt="2024-07-30T14:12:59.963" v="659" actId="6549"/>
+          <ac:spMkLst>
+            <pc:docMk/>
+            <pc:sldMk cId="1382020882" sldId="288"/>
+            <ac:spMk id="12" creationId="{66A1DE32-CFB7-4840-AD7D-0D0316DF2012}"/>
+          </ac:spMkLst>
+        </pc:spChg>
+        <pc:spChg chg="mod">
+          <ac:chgData name="Cesar Augusto Lopez Gallego" userId="0dfa9112-9251-4882-b472-cf2dfcee09d1" providerId="ADAL" clId="{2C455F85-5D82-492E-9CD8-10137D83A03A}" dt="2024-07-30T14:12:42.437" v="639" actId="20577"/>
+          <ac:spMkLst>
+            <pc:docMk/>
+            <pc:sldMk cId="1382020882" sldId="288"/>
+            <ac:spMk id="13" creationId="{1B5662B2-7329-4F8B-9C01-956B5F830158}"/>
+          </ac:spMkLst>
+        </pc:spChg>
+      </pc:sldChg>
+      <pc:sldChg chg="addSp modSp new mod">
+        <pc:chgData name="Cesar Augusto Lopez Gallego" userId="0dfa9112-9251-4882-b472-cf2dfcee09d1" providerId="ADAL" clId="{2C455F85-5D82-492E-9CD8-10137D83A03A}" dt="2024-07-30T14:20:38.815" v="1156" actId="14100"/>
+        <pc:sldMkLst>
+          <pc:docMk/>
+          <pc:sldMk cId="1622187415" sldId="289"/>
+        </pc:sldMkLst>
+        <pc:spChg chg="mod">
+          <ac:chgData name="Cesar Augusto Lopez Gallego" userId="0dfa9112-9251-4882-b472-cf2dfcee09d1" providerId="ADAL" clId="{2C455F85-5D82-492E-9CD8-10137D83A03A}" dt="2024-07-30T14:20:38.815" v="1156" actId="14100"/>
+          <ac:spMkLst>
+            <pc:docMk/>
+            <pc:sldMk cId="1622187415" sldId="289"/>
+            <ac:spMk id="2" creationId="{5A559F2D-B5A6-4741-A81A-37C626D37E60}"/>
+          </ac:spMkLst>
+        </pc:spChg>
+        <pc:spChg chg="add mod">
+          <ac:chgData name="Cesar Augusto Lopez Gallego" userId="0dfa9112-9251-4882-b472-cf2dfcee09d1" providerId="ADAL" clId="{2C455F85-5D82-492E-9CD8-10137D83A03A}" dt="2024-07-30T14:20:01.580" v="1126" actId="1076"/>
+          <ac:spMkLst>
+            <pc:docMk/>
+            <pc:sldMk cId="1622187415" sldId="289"/>
+            <ac:spMk id="3" creationId="{60F207AC-3AE4-4722-965C-6D77A07C7778}"/>
+          </ac:spMkLst>
+        </pc:spChg>
+        <pc:spChg chg="add mod">
+          <ac:chgData name="Cesar Augusto Lopez Gallego" userId="0dfa9112-9251-4882-b472-cf2dfcee09d1" providerId="ADAL" clId="{2C455F85-5D82-492E-9CD8-10137D83A03A}" dt="2024-07-30T14:20:08.946" v="1129" actId="20577"/>
+          <ac:spMkLst>
+            <pc:docMk/>
+            <pc:sldMk cId="1622187415" sldId="289"/>
+            <ac:spMk id="5" creationId="{18B2BD6A-061F-4F85-B1D1-5D26820709E2}"/>
+          </ac:spMkLst>
+        </pc:spChg>
+        <pc:picChg chg="add mod">
+          <ac:chgData name="Cesar Augusto Lopez Gallego" userId="0dfa9112-9251-4882-b472-cf2dfcee09d1" providerId="ADAL" clId="{2C455F85-5D82-492E-9CD8-10137D83A03A}" dt="2024-07-30T14:19:59.623" v="1125" actId="1076"/>
+          <ac:picMkLst>
+            <pc:docMk/>
+            <pc:sldMk cId="1622187415" sldId="289"/>
+            <ac:picMk id="7" creationId="{DBE9102A-AF69-4CD2-AA29-9B834C3BE901}"/>
+          </ac:picMkLst>
+        </pc:picChg>
+        <pc:picChg chg="add mod">
+          <ac:chgData name="Cesar Augusto Lopez Gallego" userId="0dfa9112-9251-4882-b472-cf2dfcee09d1" providerId="ADAL" clId="{2C455F85-5D82-492E-9CD8-10137D83A03A}" dt="2024-07-30T14:19:53.952" v="1120" actId="1076"/>
+          <ac:picMkLst>
+            <pc:docMk/>
+            <pc:sldMk cId="1622187415" sldId="289"/>
+            <ac:picMk id="9" creationId="{9389A56C-08A1-40FC-8BEE-316A3CE98E5F}"/>
+          </ac:picMkLst>
+        </pc:picChg>
+      </pc:sldChg>
+      <pc:sldChg chg="addSp delSp modSp new mod modAnim">
+        <pc:chgData name="Cesar Augusto Lopez Gallego" userId="0dfa9112-9251-4882-b472-cf2dfcee09d1" providerId="ADAL" clId="{2C455F85-5D82-492E-9CD8-10137D83A03A}" dt="2024-07-30T14:29:03.859" v="1661"/>
+        <pc:sldMkLst>
+          <pc:docMk/>
+          <pc:sldMk cId="3973265627" sldId="290"/>
+        </pc:sldMkLst>
+        <pc:spChg chg="mod">
+          <ac:chgData name="Cesar Augusto Lopez Gallego" userId="0dfa9112-9251-4882-b472-cf2dfcee09d1" providerId="ADAL" clId="{2C455F85-5D82-492E-9CD8-10137D83A03A}" dt="2024-07-30T14:27:18.212" v="1564" actId="1076"/>
+          <ac:spMkLst>
+            <pc:docMk/>
+            <pc:sldMk cId="3973265627" sldId="290"/>
+            <ac:spMk id="2" creationId="{46179C76-9681-456F-9EE2-39CF030F39EF}"/>
+          </ac:spMkLst>
+        </pc:spChg>
+        <pc:spChg chg="del">
+          <ac:chgData name="Cesar Augusto Lopez Gallego" userId="0dfa9112-9251-4882-b472-cf2dfcee09d1" providerId="ADAL" clId="{2C455F85-5D82-492E-9CD8-10137D83A03A}" dt="2024-07-30T14:21:44.002" v="1187" actId="478"/>
+          <ac:spMkLst>
+            <pc:docMk/>
+            <pc:sldMk cId="3973265627" sldId="290"/>
+            <ac:spMk id="3" creationId="{FDD7FE2C-3301-4618-BEF0-A261918A4138}"/>
+          </ac:spMkLst>
+        </pc:spChg>
+        <pc:spChg chg="add mod">
+          <ac:chgData name="Cesar Augusto Lopez Gallego" userId="0dfa9112-9251-4882-b472-cf2dfcee09d1" providerId="ADAL" clId="{2C455F85-5D82-492E-9CD8-10137D83A03A}" dt="2024-07-30T14:26:54.855" v="1542" actId="1076"/>
+          <ac:spMkLst>
+            <pc:docMk/>
+            <pc:sldMk cId="3973265627" sldId="290"/>
+            <ac:spMk id="4" creationId="{A9FBB3C6-A312-4C9E-8B76-BC8CEC953AF1}"/>
+          </ac:spMkLst>
+        </pc:spChg>
+        <pc:spChg chg="add mod">
+          <ac:chgData name="Cesar Augusto Lopez Gallego" userId="0dfa9112-9251-4882-b472-cf2dfcee09d1" providerId="ADAL" clId="{2C455F85-5D82-492E-9CD8-10137D83A03A}" dt="2024-07-30T14:26:54.855" v="1542" actId="1076"/>
+          <ac:spMkLst>
+            <pc:docMk/>
+            <pc:sldMk cId="3973265627" sldId="290"/>
+            <ac:spMk id="5" creationId="{EBDAD5FD-6E14-48AD-B37F-7CDFF4DA50B5}"/>
+          </ac:spMkLst>
+        </pc:spChg>
+        <pc:spChg chg="add mod">
+          <ac:chgData name="Cesar Augusto Lopez Gallego" userId="0dfa9112-9251-4882-b472-cf2dfcee09d1" providerId="ADAL" clId="{2C455F85-5D82-492E-9CD8-10137D83A03A}" dt="2024-07-30T14:26:54.855" v="1542" actId="1076"/>
+          <ac:spMkLst>
+            <pc:docMk/>
+            <pc:sldMk cId="3973265627" sldId="290"/>
+            <ac:spMk id="6" creationId="{0DC40009-AE8C-40EE-A81E-CF52A621CA65}"/>
+          </ac:spMkLst>
+        </pc:spChg>
+        <pc:spChg chg="add mod">
+          <ac:chgData name="Cesar Augusto Lopez Gallego" userId="0dfa9112-9251-4882-b472-cf2dfcee09d1" providerId="ADAL" clId="{2C455F85-5D82-492E-9CD8-10137D83A03A}" dt="2024-07-30T14:26:54.855" v="1542" actId="1076"/>
+          <ac:spMkLst>
+            <pc:docMk/>
+            <pc:sldMk cId="3973265627" sldId="290"/>
+            <ac:spMk id="7" creationId="{FB7629E5-6177-469D-BB6E-EB2474785346}"/>
+          </ac:spMkLst>
+        </pc:spChg>
+        <pc:spChg chg="add mod">
+          <ac:chgData name="Cesar Augusto Lopez Gallego" userId="0dfa9112-9251-4882-b472-cf2dfcee09d1" providerId="ADAL" clId="{2C455F85-5D82-492E-9CD8-10137D83A03A}" dt="2024-07-30T14:26:54.855" v="1542" actId="1076"/>
+          <ac:spMkLst>
+            <pc:docMk/>
+            <pc:sldMk cId="3973265627" sldId="290"/>
+            <ac:spMk id="8" creationId="{55AA20B1-C848-480B-BD10-AE78426EC3E5}"/>
+          </ac:spMkLst>
+        </pc:spChg>
+        <pc:spChg chg="add mod">
+          <ac:chgData name="Cesar Augusto Lopez Gallego" userId="0dfa9112-9251-4882-b472-cf2dfcee09d1" providerId="ADAL" clId="{2C455F85-5D82-492E-9CD8-10137D83A03A}" dt="2024-07-30T14:26:54.855" v="1542" actId="1076"/>
+          <ac:spMkLst>
+            <pc:docMk/>
+            <pc:sldMk cId="3973265627" sldId="290"/>
+            <ac:spMk id="9" creationId="{4C3C06EE-C65E-4ACB-AF5D-FBD17FD219F0}"/>
+          </ac:spMkLst>
+        </pc:spChg>
+        <pc:spChg chg="add mod">
+          <ac:chgData name="Cesar Augusto Lopez Gallego" userId="0dfa9112-9251-4882-b472-cf2dfcee09d1" providerId="ADAL" clId="{2C455F85-5D82-492E-9CD8-10137D83A03A}" dt="2024-07-30T14:27:13.873" v="1563" actId="20577"/>
+          <ac:spMkLst>
+            <pc:docMk/>
+            <pc:sldMk cId="3973265627" sldId="290"/>
+            <ac:spMk id="10" creationId="{BC20DC2E-1D80-4E49-878D-029CB47D1DC6}"/>
+          </ac:spMkLst>
+        </pc:spChg>
+        <pc:spChg chg="add mod">
+          <ac:chgData name="Cesar Augusto Lopez Gallego" userId="0dfa9112-9251-4882-b472-cf2dfcee09d1" providerId="ADAL" clId="{2C455F85-5D82-492E-9CD8-10137D83A03A}" dt="2024-07-30T14:28:36.490" v="1655" actId="1076"/>
+          <ac:spMkLst>
+            <pc:docMk/>
+            <pc:sldMk cId="3973265627" sldId="290"/>
+            <ac:spMk id="11" creationId="{E9AECED1-8D50-459C-A7B6-38F43B51CDB5}"/>
+          </ac:spMkLst>
+        </pc:spChg>
+        <pc:spChg chg="add mod">
+          <ac:chgData name="Cesar Augusto Lopez Gallego" userId="0dfa9112-9251-4882-b472-cf2dfcee09d1" providerId="ADAL" clId="{2C455F85-5D82-492E-9CD8-10137D83A03A}" dt="2024-07-30T14:28:45.197" v="1658" actId="1076"/>
+          <ac:spMkLst>
+            <pc:docMk/>
+            <pc:sldMk cId="3973265627" sldId="290"/>
+            <ac:spMk id="12" creationId="{1595F9AD-BBE0-49C5-BA3B-9894B538EBAF}"/>
           </ac:spMkLst>
         </pc:spChg>
       </pc:sldChg>
@@ -16273,8 +16640,8 @@
           <a:lstStyle/>
           <a:p>
             <a:r>
-              <a:rPr lang="es-ES" sz="4950" dirty="0"/>
-              <a:t>Ejemplo 4</a:t>
+              <a:rPr lang="es-ES" dirty="0"/>
+              <a:t>Ejemplo 2</a:t>
             </a:r>
             <a:endParaRPr lang="es-CO" dirty="0"/>
           </a:p>
@@ -16282,42 +16649,338 @@
       </p:sp>
       <p:sp>
         <p:nvSpPr>
-          <p:cNvPr id="5" name="Rectángulo 4"/>
-          <p:cNvSpPr/>
+          <p:cNvPr id="5" name="Marcador de texto 4"/>
+          <p:cNvSpPr>
+            <a:spLocks noGrp="1"/>
+          </p:cNvSpPr>
+          <p:nvPr>
+            <p:ph type="body" idx="1"/>
+          </p:nvPr>
+        </p:nvSpPr>
+        <p:spPr>
+          <a:xfrm>
+            <a:off x="4245033" y="3591836"/>
+            <a:ext cx="5872480" cy="1611932"/>
+          </a:xfrm>
+          <a:ln>
+            <a:solidFill>
+              <a:schemeClr val="accent2"/>
+            </a:solidFill>
+          </a:ln>
+        </p:spPr>
+        <p:txBody>
+          <a:bodyPr/>
+          <a:lstStyle/>
+          <a:p>
+            <a:pPr marL="27115" indent="0">
+              <a:buNone/>
+            </a:pPr>
+            <a:r>
+              <a:rPr lang="es-ES" sz="2000" dirty="0"/>
+              <a:t>Si (</a:t>
+            </a:r>
+            <a:r>
+              <a:rPr lang="es-ES" sz="2000" dirty="0" err="1"/>
+              <a:t>Nro_Habitantes</a:t>
+            </a:r>
+            <a:r>
+              <a:rPr lang="es-ES" sz="2000" dirty="0"/>
+              <a:t> &gt; 100000)</a:t>
+            </a:r>
+          </a:p>
+          <a:p>
+            <a:pPr marL="27115" indent="0">
+              <a:buNone/>
+            </a:pPr>
+            <a:r>
+              <a:rPr lang="es-ES" sz="2000" dirty="0"/>
+              <a:t>	Escriba “Obtiene partida de 500.000.000”</a:t>
+            </a:r>
+          </a:p>
+          <a:p>
+            <a:pPr marL="27115" indent="0">
+              <a:buNone/>
+            </a:pPr>
+            <a:r>
+              <a:rPr lang="es-ES" sz="2000" dirty="0"/>
+              <a:t>Fin Si</a:t>
+            </a:r>
+            <a:endParaRPr lang="es-CO" sz="2000" dirty="0"/>
+          </a:p>
+        </p:txBody>
+      </p:sp>
+      <p:sp>
+        <p:nvSpPr>
+          <p:cNvPr id="3" name="CuadroTexto 2"/>
+          <p:cNvSpPr txBox="1"/>
           <p:nvPr/>
         </p:nvSpPr>
         <p:spPr>
           <a:xfrm>
-            <a:off x="1259839" y="2369712"/>
-            <a:ext cx="10660611" cy="1015663"/>
+            <a:off x="681644" y="1733234"/>
+            <a:ext cx="11321935" cy="1477328"/>
           </a:xfrm>
           <a:prstGeom prst="rect">
             <a:avLst/>
           </a:prstGeom>
+          <a:noFill/>
         </p:spPr>
         <p:txBody>
-          <a:bodyPr wrap="square">
+          <a:bodyPr wrap="square" rtlCol="0">
             <a:spAutoFit/>
           </a:bodyPr>
           <a:lstStyle/>
           <a:p>
+            <a:pPr>
+              <a:lnSpc>
+                <a:spcPct val="150000"/>
+              </a:lnSpc>
+            </a:pPr>
             <a:r>
-              <a:rPr lang="es-CO" sz="2000" dirty="0"/>
-              <a:t>Solicite 3 notas para un estudiante. La primera nota vale 40%, la segunda y la tercera valen 30% respectivamente. Calcule su nota final y escriba un mensaje si ganó o no. Para ganar debe sacar mínimo 3.5</a:t>
+              <a:rPr lang="es-ES" sz="2000" dirty="0"/>
+              <a:t>En un país se otorgará a las ciudades que tengan más de 100.000 habitantes, unas partidas para emergencias de 500.000.000. Diseñe la estructura condicional para implementar este caso en un algoritmo:</a:t>
             </a:r>
+            <a:endParaRPr lang="es-CO" sz="2000" dirty="0"/>
           </a:p>
         </p:txBody>
       </p:sp>
     </p:spTree>
     <p:extLst>
       <p:ext uri="{BB962C8B-B14F-4D97-AF65-F5344CB8AC3E}">
-        <p14:creationId xmlns:p14="http://schemas.microsoft.com/office/powerpoint/2010/main" val="1021954192"/>
+        <p14:creationId xmlns:p14="http://schemas.microsoft.com/office/powerpoint/2010/main" val="1001503665"/>
       </p:ext>
     </p:extLst>
   </p:cSld>
   <p:clrMapOvr>
     <a:masterClrMapping/>
   </p:clrMapOvr>
+  <p:timing>
+    <p:tnLst>
+      <p:par>
+        <p:cTn id="1" dur="indefinite" restart="never" nodeType="tmRoot">
+          <p:childTnLst>
+            <p:seq concurrent="1" nextAc="seek">
+              <p:cTn id="2" dur="indefinite" nodeType="mainSeq">
+                <p:childTnLst>
+                  <p:par>
+                    <p:cTn id="3" fill="hold">
+                      <p:stCondLst>
+                        <p:cond delay="indefinite"/>
+                      </p:stCondLst>
+                      <p:childTnLst>
+                        <p:par>
+                          <p:cTn id="4" fill="hold">
+                            <p:stCondLst>
+                              <p:cond delay="0"/>
+                            </p:stCondLst>
+                            <p:childTnLst>
+                              <p:par>
+                                <p:cTn id="5" presetID="1" presetClass="entr" presetSubtype="0" fill="hold" grpId="0" nodeType="clickEffect">
+                                  <p:stCondLst>
+                                    <p:cond delay="0"/>
+                                  </p:stCondLst>
+                                  <p:childTnLst>
+                                    <p:set>
+                                      <p:cBhvr>
+                                        <p:cTn id="6" dur="1" fill="hold">
+                                          <p:stCondLst>
+                                            <p:cond delay="0"/>
+                                          </p:stCondLst>
+                                        </p:cTn>
+                                        <p:tgtEl>
+                                          <p:spTgt spid="5">
+                                            <p:bg/>
+                                          </p:spTgt>
+                                        </p:tgtEl>
+                                        <p:attrNameLst>
+                                          <p:attrName>style.visibility</p:attrName>
+                                        </p:attrNameLst>
+                                      </p:cBhvr>
+                                      <p:to>
+                                        <p:strVal val="visible"/>
+                                      </p:to>
+                                    </p:set>
+                                  </p:childTnLst>
+                                </p:cTn>
+                              </p:par>
+                            </p:childTnLst>
+                          </p:cTn>
+                        </p:par>
+                      </p:childTnLst>
+                    </p:cTn>
+                  </p:par>
+                  <p:par>
+                    <p:cTn id="7" fill="hold">
+                      <p:stCondLst>
+                        <p:cond delay="indefinite"/>
+                      </p:stCondLst>
+                      <p:childTnLst>
+                        <p:par>
+                          <p:cTn id="8" fill="hold">
+                            <p:stCondLst>
+                              <p:cond delay="0"/>
+                            </p:stCondLst>
+                            <p:childTnLst>
+                              <p:par>
+                                <p:cTn id="9" presetID="1" presetClass="entr" presetSubtype="0" fill="hold" grpId="0" nodeType="clickEffect">
+                                  <p:stCondLst>
+                                    <p:cond delay="0"/>
+                                  </p:stCondLst>
+                                  <p:childTnLst>
+                                    <p:set>
+                                      <p:cBhvr>
+                                        <p:cTn id="10" dur="1" fill="hold">
+                                          <p:stCondLst>
+                                            <p:cond delay="0"/>
+                                          </p:stCondLst>
+                                        </p:cTn>
+                                        <p:tgtEl>
+                                          <p:spTgt spid="5">
+                                            <p:txEl>
+                                              <p:pRg st="0" end="0"/>
+                                            </p:txEl>
+                                          </p:spTgt>
+                                        </p:tgtEl>
+                                        <p:attrNameLst>
+                                          <p:attrName>style.visibility</p:attrName>
+                                        </p:attrNameLst>
+                                      </p:cBhvr>
+                                      <p:to>
+                                        <p:strVal val="visible"/>
+                                      </p:to>
+                                    </p:set>
+                                  </p:childTnLst>
+                                </p:cTn>
+                              </p:par>
+                            </p:childTnLst>
+                          </p:cTn>
+                        </p:par>
+                      </p:childTnLst>
+                    </p:cTn>
+                  </p:par>
+                  <p:par>
+                    <p:cTn id="11" fill="hold">
+                      <p:stCondLst>
+                        <p:cond delay="indefinite"/>
+                      </p:stCondLst>
+                      <p:childTnLst>
+                        <p:par>
+                          <p:cTn id="12" fill="hold">
+                            <p:stCondLst>
+                              <p:cond delay="0"/>
+                            </p:stCondLst>
+                            <p:childTnLst>
+                              <p:par>
+                                <p:cTn id="13" presetID="1" presetClass="entr" presetSubtype="0" fill="hold" grpId="0" nodeType="clickEffect">
+                                  <p:stCondLst>
+                                    <p:cond delay="0"/>
+                                  </p:stCondLst>
+                                  <p:childTnLst>
+                                    <p:set>
+                                      <p:cBhvr>
+                                        <p:cTn id="14" dur="1" fill="hold">
+                                          <p:stCondLst>
+                                            <p:cond delay="0"/>
+                                          </p:stCondLst>
+                                        </p:cTn>
+                                        <p:tgtEl>
+                                          <p:spTgt spid="5">
+                                            <p:txEl>
+                                              <p:pRg st="1" end="1"/>
+                                            </p:txEl>
+                                          </p:spTgt>
+                                        </p:tgtEl>
+                                        <p:attrNameLst>
+                                          <p:attrName>style.visibility</p:attrName>
+                                        </p:attrNameLst>
+                                      </p:cBhvr>
+                                      <p:to>
+                                        <p:strVal val="visible"/>
+                                      </p:to>
+                                    </p:set>
+                                  </p:childTnLst>
+                                </p:cTn>
+                              </p:par>
+                            </p:childTnLst>
+                          </p:cTn>
+                        </p:par>
+                      </p:childTnLst>
+                    </p:cTn>
+                  </p:par>
+                  <p:par>
+                    <p:cTn id="15" fill="hold">
+                      <p:stCondLst>
+                        <p:cond delay="indefinite"/>
+                      </p:stCondLst>
+                      <p:childTnLst>
+                        <p:par>
+                          <p:cTn id="16" fill="hold">
+                            <p:stCondLst>
+                              <p:cond delay="0"/>
+                            </p:stCondLst>
+                            <p:childTnLst>
+                              <p:par>
+                                <p:cTn id="17" presetID="1" presetClass="entr" presetSubtype="0" fill="hold" grpId="0" nodeType="clickEffect">
+                                  <p:stCondLst>
+                                    <p:cond delay="0"/>
+                                  </p:stCondLst>
+                                  <p:childTnLst>
+                                    <p:set>
+                                      <p:cBhvr>
+                                        <p:cTn id="18" dur="1" fill="hold">
+                                          <p:stCondLst>
+                                            <p:cond delay="0"/>
+                                          </p:stCondLst>
+                                        </p:cTn>
+                                        <p:tgtEl>
+                                          <p:spTgt spid="5">
+                                            <p:txEl>
+                                              <p:pRg st="2" end="2"/>
+                                            </p:txEl>
+                                          </p:spTgt>
+                                        </p:tgtEl>
+                                        <p:attrNameLst>
+                                          <p:attrName>style.visibility</p:attrName>
+                                        </p:attrNameLst>
+                                      </p:cBhvr>
+                                      <p:to>
+                                        <p:strVal val="visible"/>
+                                      </p:to>
+                                    </p:set>
+                                  </p:childTnLst>
+                                </p:cTn>
+                              </p:par>
+                            </p:childTnLst>
+                          </p:cTn>
+                        </p:par>
+                      </p:childTnLst>
+                    </p:cTn>
+                  </p:par>
+                </p:childTnLst>
+              </p:cTn>
+              <p:prevCondLst>
+                <p:cond evt="onPrev" delay="0">
+                  <p:tgtEl>
+                    <p:sldTgt/>
+                  </p:tgtEl>
+                </p:cond>
+              </p:prevCondLst>
+              <p:nextCondLst>
+                <p:cond evt="onNext" delay="0">
+                  <p:tgtEl>
+                    <p:sldTgt/>
+                  </p:tgtEl>
+                </p:cond>
+              </p:nextCondLst>
+            </p:seq>
+          </p:childTnLst>
+        </p:cTn>
+      </p:par>
+    </p:tnLst>
+    <p:bldLst>
+      <p:bldP spid="5" grpId="0" build="p" animBg="1"/>
+    </p:bldLst>
+  </p:timing>
 </p:sld>
 </file>
 
@@ -16355,6 +17018,194 @@
           <a:p>
             <a:r>
               <a:rPr lang="es-ES" sz="4950" dirty="0"/>
+              <a:t>Ejemplo 3</a:t>
+            </a:r>
+            <a:endParaRPr lang="es-CO" dirty="0"/>
+          </a:p>
+        </p:txBody>
+      </p:sp>
+      <p:sp>
+        <p:nvSpPr>
+          <p:cNvPr id="3" name="CuadroTexto 2"/>
+          <p:cNvSpPr txBox="1"/>
+          <p:nvPr/>
+        </p:nvSpPr>
+        <p:spPr>
+          <a:xfrm>
+            <a:off x="681644" y="1733234"/>
+            <a:ext cx="11321935" cy="1938992"/>
+          </a:xfrm>
+          <a:prstGeom prst="rect">
+            <a:avLst/>
+          </a:prstGeom>
+          <a:noFill/>
+        </p:spPr>
+        <p:txBody>
+          <a:bodyPr wrap="square" rtlCol="0">
+            <a:spAutoFit/>
+          </a:bodyPr>
+          <a:lstStyle/>
+          <a:p>
+            <a:pPr>
+              <a:lnSpc>
+                <a:spcPct val="150000"/>
+              </a:lnSpc>
+            </a:pPr>
+            <a:r>
+              <a:rPr lang="es-ES" sz="2000" dirty="0"/>
+              <a:t>En un país se otorgará a las ciudades que tengan más de 100.000 habitantes y un área superior a 20.000Kms</a:t>
+            </a:r>
+            <a:r>
+              <a:rPr lang="es-ES" sz="2000" baseline="30000" dirty="0"/>
+              <a:t>2</a:t>
+            </a:r>
+            <a:r>
+              <a:rPr lang="es-ES" sz="2000" dirty="0"/>
+              <a:t>, una partida para emergencias de 500.000.000. De lo contrario la partida será de 250.000.000</a:t>
+            </a:r>
+          </a:p>
+          <a:p>
+            <a:pPr>
+              <a:lnSpc>
+                <a:spcPct val="150000"/>
+              </a:lnSpc>
+            </a:pPr>
+            <a:r>
+              <a:rPr lang="es-ES" sz="2000" dirty="0"/>
+              <a:t>Diseñe la estructura condicional para implementar este caso en un algoritmo:</a:t>
+            </a:r>
+            <a:endParaRPr lang="es-CO" sz="2000" dirty="0"/>
+          </a:p>
+        </p:txBody>
+      </p:sp>
+    </p:spTree>
+    <p:extLst>
+      <p:ext uri="{BB962C8B-B14F-4D97-AF65-F5344CB8AC3E}">
+        <p14:creationId xmlns:p14="http://schemas.microsoft.com/office/powerpoint/2010/main" val="2375052096"/>
+      </p:ext>
+    </p:extLst>
+  </p:cSld>
+  <p:clrMapOvr>
+    <a:masterClrMapping/>
+  </p:clrMapOvr>
+</p:sld>
+</file>
+
+<file path=ppt/slides/slide12.xml><?xml version="1.0" encoding="utf-8"?>
+<p:sld xmlns:a="http://schemas.openxmlformats.org/drawingml/2006/main" xmlns:r="http://schemas.openxmlformats.org/officeDocument/2006/relationships" xmlns:p="http://schemas.openxmlformats.org/presentationml/2006/main">
+  <p:cSld>
+    <p:spTree>
+      <p:nvGrpSpPr>
+        <p:cNvPr id="1" name=""/>
+        <p:cNvGrpSpPr/>
+        <p:nvPr/>
+      </p:nvGrpSpPr>
+      <p:grpSpPr>
+        <a:xfrm>
+          <a:off x="0" y="0"/>
+          <a:ext cx="0" cy="0"/>
+          <a:chOff x="0" y="0"/>
+          <a:chExt cx="0" cy="0"/>
+        </a:xfrm>
+      </p:grpSpPr>
+      <p:sp>
+        <p:nvSpPr>
+          <p:cNvPr id="2" name="Título 1"/>
+          <p:cNvSpPr>
+            <a:spLocks noGrp="1"/>
+          </p:cNvSpPr>
+          <p:nvPr>
+            <p:ph type="title"/>
+          </p:nvPr>
+        </p:nvSpPr>
+        <p:spPr/>
+        <p:txBody>
+          <a:bodyPr/>
+          <a:lstStyle/>
+          <a:p>
+            <a:r>
+              <a:rPr lang="es-ES" sz="4950" dirty="0"/>
+              <a:t>Ejemplo 4</a:t>
+            </a:r>
+            <a:endParaRPr lang="es-CO" dirty="0"/>
+          </a:p>
+        </p:txBody>
+      </p:sp>
+      <p:sp>
+        <p:nvSpPr>
+          <p:cNvPr id="5" name="Rectángulo 4"/>
+          <p:cNvSpPr/>
+          <p:nvPr/>
+        </p:nvSpPr>
+        <p:spPr>
+          <a:xfrm>
+            <a:off x="1259839" y="2369712"/>
+            <a:ext cx="10660611" cy="1015663"/>
+          </a:xfrm>
+          <a:prstGeom prst="rect">
+            <a:avLst/>
+          </a:prstGeom>
+        </p:spPr>
+        <p:txBody>
+          <a:bodyPr wrap="square">
+            <a:spAutoFit/>
+          </a:bodyPr>
+          <a:lstStyle/>
+          <a:p>
+            <a:r>
+              <a:rPr lang="es-CO" sz="2000" dirty="0"/>
+              <a:t>Solicite 3 notas para un estudiante. La primera nota vale 40%, la segunda y la tercera valen 30% respectivamente. Calcule su nota final y escriba un mensaje si ganó o no. Para ganar debe sacar mínimo 3.5</a:t>
+            </a:r>
+          </a:p>
+        </p:txBody>
+      </p:sp>
+    </p:spTree>
+    <p:extLst>
+      <p:ext uri="{BB962C8B-B14F-4D97-AF65-F5344CB8AC3E}">
+        <p14:creationId xmlns:p14="http://schemas.microsoft.com/office/powerpoint/2010/main" val="1021954192"/>
+      </p:ext>
+    </p:extLst>
+  </p:cSld>
+  <p:clrMapOvr>
+    <a:masterClrMapping/>
+  </p:clrMapOvr>
+</p:sld>
+</file>
+
+<file path=ppt/slides/slide13.xml><?xml version="1.0" encoding="utf-8"?>
+<p:sld xmlns:a="http://schemas.openxmlformats.org/drawingml/2006/main" xmlns:r="http://schemas.openxmlformats.org/officeDocument/2006/relationships" xmlns:p="http://schemas.openxmlformats.org/presentationml/2006/main">
+  <p:cSld>
+    <p:spTree>
+      <p:nvGrpSpPr>
+        <p:cNvPr id="1" name=""/>
+        <p:cNvGrpSpPr/>
+        <p:nvPr/>
+      </p:nvGrpSpPr>
+      <p:grpSpPr>
+        <a:xfrm>
+          <a:off x="0" y="0"/>
+          <a:ext cx="0" cy="0"/>
+          <a:chOff x="0" y="0"/>
+          <a:chExt cx="0" cy="0"/>
+        </a:xfrm>
+      </p:grpSpPr>
+      <p:sp>
+        <p:nvSpPr>
+          <p:cNvPr id="2" name="Título 1"/>
+          <p:cNvSpPr>
+            <a:spLocks noGrp="1"/>
+          </p:cNvSpPr>
+          <p:nvPr>
+            <p:ph type="title"/>
+          </p:nvPr>
+        </p:nvSpPr>
+        <p:spPr/>
+        <p:txBody>
+          <a:bodyPr/>
+          <a:lstStyle/>
+          <a:p>
+            <a:r>
+              <a:rPr lang="es-ES" sz="4950" dirty="0"/>
               <a:t>Ejemplo 5</a:t>
             </a:r>
             <a:endParaRPr lang="es-CO" sz="4950" dirty="0"/>
@@ -16466,7 +17317,7 @@
 </p:sld>
 </file>
 
-<file path=ppt/slides/slide12.xml><?xml version="1.0" encoding="utf-8"?>
+<file path=ppt/slides/slide14.xml><?xml version="1.0" encoding="utf-8"?>
 <p:sld xmlns:a="http://schemas.openxmlformats.org/drawingml/2006/main" xmlns:r="http://schemas.openxmlformats.org/officeDocument/2006/relationships" xmlns:p="http://schemas.openxmlformats.org/presentationml/2006/main">
   <p:cSld>
     <p:spTree>
@@ -17355,7 +18206,7 @@
 </p:sld>
 </file>
 
-<file path=ppt/slides/slide13.xml><?xml version="1.0" encoding="utf-8"?>
+<file path=ppt/slides/slide15.xml><?xml version="1.0" encoding="utf-8"?>
 <p:sld xmlns:a="http://schemas.openxmlformats.org/drawingml/2006/main" xmlns:r="http://schemas.openxmlformats.org/officeDocument/2006/relationships" xmlns:p="http://schemas.openxmlformats.org/presentationml/2006/main">
   <p:cSld>
     <p:spTree>
@@ -18555,7 +19406,7 @@
 </p:sld>
 </file>
 
-<file path=ppt/slides/slide14.xml><?xml version="1.0" encoding="utf-8"?>
+<file path=ppt/slides/slide16.xml><?xml version="1.0" encoding="utf-8"?>
 <p:sld xmlns:a="http://schemas.openxmlformats.org/drawingml/2006/main" xmlns:r="http://schemas.openxmlformats.org/officeDocument/2006/relationships" xmlns:p="http://schemas.openxmlformats.org/presentationml/2006/main">
   <p:cSld>
     <p:spTree>
@@ -18737,7 +19588,7 @@
 </p:sld>
 </file>
 
-<file path=ppt/slides/slide15.xml><?xml version="1.0" encoding="utf-8"?>
+<file path=ppt/slides/slide17.xml><?xml version="1.0" encoding="utf-8"?>
 <p:sld xmlns:a="http://schemas.openxmlformats.org/drawingml/2006/main" xmlns:r="http://schemas.openxmlformats.org/officeDocument/2006/relationships" xmlns:p="http://schemas.openxmlformats.org/presentationml/2006/main">
   <p:cSld>
     <p:spTree>
@@ -18894,7 +19745,7 @@
 </p:sld>
 </file>
 
-<file path=ppt/slides/slide16.xml><?xml version="1.0" encoding="utf-8"?>
+<file path=ppt/slides/slide18.xml><?xml version="1.0" encoding="utf-8"?>
 <p:sld xmlns:a="http://schemas.openxmlformats.org/drawingml/2006/main" xmlns:r="http://schemas.openxmlformats.org/officeDocument/2006/relationships" xmlns:p="http://schemas.openxmlformats.org/presentationml/2006/main">
   <p:cSld>
     <p:spTree>
@@ -19883,7 +20734,7 @@
 </p:sld>
 </file>
 
-<file path=ppt/slides/slide17.xml><?xml version="1.0" encoding="utf-8"?>
+<file path=ppt/slides/slide19.xml><?xml version="1.0" encoding="utf-8"?>
 <p:sld xmlns:a="http://schemas.openxmlformats.org/drawingml/2006/main" xmlns:r="http://schemas.openxmlformats.org/officeDocument/2006/relationships" xmlns:p="http://schemas.openxmlformats.org/presentationml/2006/main">
   <p:cSld>
     <p:spTree>
@@ -19960,7 +20811,7 @@
         </p:nvSpPr>
         <p:spPr>
           <a:xfrm>
-            <a:off x="4404047" y="1754155"/>
+            <a:off x="4253734" y="1415952"/>
             <a:ext cx="8714794" cy="5016758"/>
           </a:xfrm>
           <a:prstGeom prst="rect">
@@ -20044,7 +20895,7 @@
         </p:nvSpPr>
         <p:spPr>
           <a:xfrm>
-            <a:off x="4982547" y="2332653"/>
+            <a:off x="4832234" y="1994450"/>
             <a:ext cx="5635690" cy="783771"/>
           </a:xfrm>
           <a:prstGeom prst="rect">
@@ -20086,7 +20937,7 @@
         </p:nvSpPr>
         <p:spPr>
           <a:xfrm>
-            <a:off x="4982547" y="3870648"/>
+            <a:off x="4832234" y="3532445"/>
             <a:ext cx="5635690" cy="783771"/>
           </a:xfrm>
           <a:prstGeom prst="rect">
@@ -20128,7 +20979,7 @@
         </p:nvSpPr>
         <p:spPr>
           <a:xfrm>
-            <a:off x="4982547" y="5399389"/>
+            <a:off x="4832234" y="5061186"/>
             <a:ext cx="5635690" cy="783771"/>
           </a:xfrm>
           <a:prstGeom prst="rect">
@@ -20170,7 +21021,7 @@
         </p:nvSpPr>
         <p:spPr>
           <a:xfrm>
-            <a:off x="4982547" y="6646579"/>
+            <a:off x="4832234" y="6308376"/>
             <a:ext cx="5635690" cy="783771"/>
           </a:xfrm>
           <a:prstGeom prst="rect">
@@ -20222,7 +21073,117 @@
 </p:sld>
 </file>
 
-<file path=ppt/slides/slide18.xml><?xml version="1.0" encoding="utf-8"?>
+<file path=ppt/slides/slide2.xml><?xml version="1.0" encoding="utf-8"?>
+<p:sld xmlns:a="http://schemas.openxmlformats.org/drawingml/2006/main" xmlns:r="http://schemas.openxmlformats.org/officeDocument/2006/relationships" xmlns:p="http://schemas.openxmlformats.org/presentationml/2006/main">
+  <p:cSld>
+    <p:spTree>
+      <p:nvGrpSpPr>
+        <p:cNvPr id="1" name="Shape 91"/>
+        <p:cNvGrpSpPr/>
+        <p:nvPr/>
+      </p:nvGrpSpPr>
+      <p:grpSpPr>
+        <a:xfrm>
+          <a:off x="0" y="0"/>
+          <a:ext cx="0" cy="0"/>
+          <a:chOff x="0" y="0"/>
+          <a:chExt cx="0" cy="0"/>
+        </a:xfrm>
+      </p:grpSpPr>
+      <p:pic>
+        <p:nvPicPr>
+          <p:cNvPr id="92" name="Google Shape;92;p14" descr="Imagen relacionada"/>
+          <p:cNvPicPr preferRelativeResize="0"/>
+          <p:nvPr/>
+        </p:nvPicPr>
+        <p:blipFill rotWithShape="1">
+          <a:blip r:embed="rId3">
+            <a:alphaModFix/>
+          </a:blip>
+          <a:srcRect/>
+          <a:stretch/>
+        </p:blipFill>
+        <p:spPr>
+          <a:xfrm>
+            <a:off x="4343733" y="2615252"/>
+            <a:ext cx="4920017" cy="3690013"/>
+          </a:xfrm>
+          <a:prstGeom prst="rect">
+            <a:avLst/>
+          </a:prstGeom>
+          <a:noFill/>
+          <a:ln>
+            <a:noFill/>
+          </a:ln>
+        </p:spPr>
+      </p:pic>
+      <p:sp>
+        <p:nvSpPr>
+          <p:cNvPr id="93" name="Google Shape;93;p14"/>
+          <p:cNvSpPr txBox="1"/>
+          <p:nvPr/>
+        </p:nvSpPr>
+        <p:spPr>
+          <a:xfrm>
+            <a:off x="949960" y="413809"/>
+            <a:ext cx="10661667" cy="1502305"/>
+          </a:xfrm>
+          <a:prstGeom prst="rect">
+            <a:avLst/>
+          </a:prstGeom>
+          <a:noFill/>
+          <a:ln>
+            <a:noFill/>
+          </a:ln>
+        </p:spPr>
+        <p:txBody>
+          <a:bodyPr spcFirstLastPara="1" wrap="square" lIns="91425" tIns="45700" rIns="91425" bIns="45700" anchor="t" anchorCtr="0">
+            <a:noAutofit/>
+          </a:bodyPr>
+          <a:lstStyle/>
+          <a:p>
+            <a:pPr marL="0" marR="0" lvl="0" indent="0" algn="r" rtl="0">
+              <a:lnSpc>
+                <a:spcPct val="90000"/>
+              </a:lnSpc>
+              <a:spcBef>
+                <a:spcPts val="0"/>
+              </a:spcBef>
+              <a:spcAft>
+                <a:spcPts val="0"/>
+              </a:spcAft>
+              <a:buClr>
+                <a:schemeClr val="dk1"/>
+              </a:buClr>
+              <a:buSzPts val="4987"/>
+              <a:buFont typeface="Calibri"/>
+              <a:buNone/>
+            </a:pPr>
+            <a:r>
+              <a:rPr lang="es-CO" sz="4987">
+                <a:solidFill>
+                  <a:schemeClr val="dk1"/>
+                </a:solidFill>
+                <a:latin typeface="Calibri"/>
+                <a:ea typeface="Calibri"/>
+                <a:cs typeface="Calibri"/>
+                <a:sym typeface="Calibri"/>
+              </a:rPr>
+              <a:t>Estructuras condicionales</a:t>
+            </a:r>
+            <a:endParaRPr/>
+          </a:p>
+        </p:txBody>
+      </p:sp>
+    </p:spTree>
+  </p:cSld>
+  <p:clrMapOvr>
+    <a:masterClrMapping/>
+  </p:clrMapOvr>
+</p:sld>
+</file>
+
+<file path=ppt/slides/slide20.xml><?xml version="1.0" encoding="utf-8"?>
 <p:sld xmlns:a="http://schemas.openxmlformats.org/drawingml/2006/main" xmlns:r="http://schemas.openxmlformats.org/officeDocument/2006/relationships" xmlns:p="http://schemas.openxmlformats.org/presentationml/2006/main">
   <p:cSld>
     <p:spTree>
@@ -21447,7 +22408,7 @@
 </p:sld>
 </file>
 
-<file path=ppt/slides/slide19.xml><?xml version="1.0" encoding="utf-8"?>
+<file path=ppt/slides/slide21.xml><?xml version="1.0" encoding="utf-8"?>
 <p:sld xmlns:a="http://schemas.openxmlformats.org/drawingml/2006/main" xmlns:r="http://schemas.openxmlformats.org/officeDocument/2006/relationships" xmlns:p="http://schemas.openxmlformats.org/presentationml/2006/main">
   <p:cSld>
     <p:spTree>
@@ -21636,117 +22597,7 @@
 </p:sld>
 </file>
 
-<file path=ppt/slides/slide2.xml><?xml version="1.0" encoding="utf-8"?>
-<p:sld xmlns:a="http://schemas.openxmlformats.org/drawingml/2006/main" xmlns:r="http://schemas.openxmlformats.org/officeDocument/2006/relationships" xmlns:p="http://schemas.openxmlformats.org/presentationml/2006/main">
-  <p:cSld>
-    <p:spTree>
-      <p:nvGrpSpPr>
-        <p:cNvPr id="1" name="Shape 91"/>
-        <p:cNvGrpSpPr/>
-        <p:nvPr/>
-      </p:nvGrpSpPr>
-      <p:grpSpPr>
-        <a:xfrm>
-          <a:off x="0" y="0"/>
-          <a:ext cx="0" cy="0"/>
-          <a:chOff x="0" y="0"/>
-          <a:chExt cx="0" cy="0"/>
-        </a:xfrm>
-      </p:grpSpPr>
-      <p:pic>
-        <p:nvPicPr>
-          <p:cNvPr id="92" name="Google Shape;92;p14" descr="Imagen relacionada"/>
-          <p:cNvPicPr preferRelativeResize="0"/>
-          <p:nvPr/>
-        </p:nvPicPr>
-        <p:blipFill rotWithShape="1">
-          <a:blip r:embed="rId3">
-            <a:alphaModFix/>
-          </a:blip>
-          <a:srcRect/>
-          <a:stretch/>
-        </p:blipFill>
-        <p:spPr>
-          <a:xfrm>
-            <a:off x="4343733" y="2615252"/>
-            <a:ext cx="4920017" cy="3690013"/>
-          </a:xfrm>
-          <a:prstGeom prst="rect">
-            <a:avLst/>
-          </a:prstGeom>
-          <a:noFill/>
-          <a:ln>
-            <a:noFill/>
-          </a:ln>
-        </p:spPr>
-      </p:pic>
-      <p:sp>
-        <p:nvSpPr>
-          <p:cNvPr id="93" name="Google Shape;93;p14"/>
-          <p:cNvSpPr txBox="1"/>
-          <p:nvPr/>
-        </p:nvSpPr>
-        <p:spPr>
-          <a:xfrm>
-            <a:off x="949960" y="413809"/>
-            <a:ext cx="10661667" cy="1502305"/>
-          </a:xfrm>
-          <a:prstGeom prst="rect">
-            <a:avLst/>
-          </a:prstGeom>
-          <a:noFill/>
-          <a:ln>
-            <a:noFill/>
-          </a:ln>
-        </p:spPr>
-        <p:txBody>
-          <a:bodyPr spcFirstLastPara="1" wrap="square" lIns="91425" tIns="45700" rIns="91425" bIns="45700" anchor="t" anchorCtr="0">
-            <a:noAutofit/>
-          </a:bodyPr>
-          <a:lstStyle/>
-          <a:p>
-            <a:pPr marL="0" marR="0" lvl="0" indent="0" algn="r" rtl="0">
-              <a:lnSpc>
-                <a:spcPct val="90000"/>
-              </a:lnSpc>
-              <a:spcBef>
-                <a:spcPts val="0"/>
-              </a:spcBef>
-              <a:spcAft>
-                <a:spcPts val="0"/>
-              </a:spcAft>
-              <a:buClr>
-                <a:schemeClr val="dk1"/>
-              </a:buClr>
-              <a:buSzPts val="4987"/>
-              <a:buFont typeface="Calibri"/>
-              <a:buNone/>
-            </a:pPr>
-            <a:r>
-              <a:rPr lang="es-CO" sz="4987">
-                <a:solidFill>
-                  <a:schemeClr val="dk1"/>
-                </a:solidFill>
-                <a:latin typeface="Calibri"/>
-                <a:ea typeface="Calibri"/>
-                <a:cs typeface="Calibri"/>
-                <a:sym typeface="Calibri"/>
-              </a:rPr>
-              <a:t>Estructuras condicionales</a:t>
-            </a:r>
-            <a:endParaRPr/>
-          </a:p>
-        </p:txBody>
-      </p:sp>
-    </p:spTree>
-  </p:cSld>
-  <p:clrMapOvr>
-    <a:masterClrMapping/>
-  </p:clrMapOvr>
-</p:sld>
-</file>
-
-<file path=ppt/slides/slide20.xml><?xml version="1.0" encoding="utf-8"?>
+<file path=ppt/slides/slide22.xml><?xml version="1.0" encoding="utf-8"?>
 <p:sld xmlns:a="http://schemas.openxmlformats.org/drawingml/2006/main" xmlns:r="http://schemas.openxmlformats.org/officeDocument/2006/relationships" xmlns:p="http://schemas.openxmlformats.org/presentationml/2006/main">
   <p:cSld>
     <p:spTree>
@@ -21860,7 +22711,7 @@
 </p:sld>
 </file>
 
-<file path=ppt/slides/slide21.xml><?xml version="1.0" encoding="utf-8"?>
+<file path=ppt/slides/slide23.xml><?xml version="1.0" encoding="utf-8"?>
 <p:sld xmlns:a="http://schemas.openxmlformats.org/drawingml/2006/main" xmlns:r="http://schemas.openxmlformats.org/officeDocument/2006/relationships" xmlns:p="http://schemas.openxmlformats.org/presentationml/2006/main">
   <p:cSld>
     <p:spTree>
@@ -22089,7 +22940,970 @@
 </p:sld>
 </file>
 
-<file path=ppt/slides/slide22.xml><?xml version="1.0" encoding="utf-8"?>
+<file path=ppt/slides/slide24.xml><?xml version="1.0" encoding="utf-8"?>
+<p:sld xmlns:a="http://schemas.openxmlformats.org/drawingml/2006/main" xmlns:r="http://schemas.openxmlformats.org/officeDocument/2006/relationships" xmlns:p="http://schemas.openxmlformats.org/presentationml/2006/main">
+  <p:cSld>
+    <p:spTree>
+      <p:nvGrpSpPr>
+        <p:cNvPr id="1" name=""/>
+        <p:cNvGrpSpPr/>
+        <p:nvPr/>
+      </p:nvGrpSpPr>
+      <p:grpSpPr>
+        <a:xfrm>
+          <a:off x="0" y="0"/>
+          <a:ext cx="0" cy="0"/>
+          <a:chOff x="0" y="0"/>
+          <a:chExt cx="0" cy="0"/>
+        </a:xfrm>
+      </p:grpSpPr>
+      <p:sp>
+        <p:nvSpPr>
+          <p:cNvPr id="2" name="Título 1">
+            <a:extLst>
+              <a:ext uri="{FF2B5EF4-FFF2-40B4-BE49-F238E27FC236}">
+                <a16:creationId xmlns:a16="http://schemas.microsoft.com/office/drawing/2014/main" id="{46179C76-9681-456F-9EE2-39CF030F39EF}"/>
+              </a:ext>
+            </a:extLst>
+          </p:cNvPr>
+          <p:cNvSpPr>
+            <a:spLocks noGrp="1"/>
+          </p:cNvSpPr>
+          <p:nvPr>
+            <p:ph type="title"/>
+          </p:nvPr>
+        </p:nvSpPr>
+        <p:spPr>
+          <a:xfrm>
+            <a:off x="306261" y="156985"/>
+            <a:ext cx="11917680" cy="1502305"/>
+          </a:xfrm>
+        </p:spPr>
+        <p:txBody>
+          <a:bodyPr/>
+          <a:lstStyle/>
+          <a:p>
+            <a:r>
+              <a:rPr lang="es-ES" dirty="0"/>
+              <a:t>La clave está en: </a:t>
+            </a:r>
+            <a:endParaRPr lang="es-CO" dirty="0"/>
+          </a:p>
+        </p:txBody>
+      </p:sp>
+      <p:sp>
+        <p:nvSpPr>
+          <p:cNvPr id="4" name="CuadroTexto 3">
+            <a:extLst>
+              <a:ext uri="{FF2B5EF4-FFF2-40B4-BE49-F238E27FC236}">
+                <a16:creationId xmlns:a16="http://schemas.microsoft.com/office/drawing/2014/main" id="{A9FBB3C6-A312-4C9E-8B76-BC8CEC953AF1}"/>
+              </a:ext>
+            </a:extLst>
+          </p:cNvPr>
+          <p:cNvSpPr txBox="1"/>
+          <p:nvPr/>
+        </p:nvSpPr>
+        <p:spPr>
+          <a:xfrm>
+            <a:off x="294361" y="1718054"/>
+            <a:ext cx="3507288" cy="830997"/>
+          </a:xfrm>
+          <a:prstGeom prst="rect">
+            <a:avLst/>
+          </a:prstGeom>
+          <a:noFill/>
+        </p:spPr>
+        <p:txBody>
+          <a:bodyPr wrap="square" rtlCol="0">
+            <a:spAutoFit/>
+          </a:bodyPr>
+          <a:lstStyle/>
+          <a:p>
+            <a:r>
+              <a:rPr lang="es-ES" sz="2400" dirty="0"/>
+              <a:t>Se necesita evaluar una sola condición</a:t>
+            </a:r>
+            <a:endParaRPr lang="es-CO" sz="2400" dirty="0"/>
+          </a:p>
+        </p:txBody>
+      </p:sp>
+      <p:sp>
+        <p:nvSpPr>
+          <p:cNvPr id="5" name="Flecha: hacia abajo 4">
+            <a:extLst>
+              <a:ext uri="{FF2B5EF4-FFF2-40B4-BE49-F238E27FC236}">
+                <a16:creationId xmlns:a16="http://schemas.microsoft.com/office/drawing/2014/main" id="{EBDAD5FD-6E14-48AD-B37F-7CDFF4DA50B5}"/>
+              </a:ext>
+            </a:extLst>
+          </p:cNvPr>
+          <p:cNvSpPr/>
+          <p:nvPr/>
+        </p:nvSpPr>
+        <p:spPr>
+          <a:xfrm>
+            <a:off x="1628383" y="3144033"/>
+            <a:ext cx="839244" cy="1578280"/>
+          </a:xfrm>
+          <a:prstGeom prst="downArrow">
+            <a:avLst/>
+          </a:prstGeom>
+        </p:spPr>
+        <p:style>
+          <a:lnRef idx="2">
+            <a:schemeClr val="accent2">
+              <a:shade val="50000"/>
+            </a:schemeClr>
+          </a:lnRef>
+          <a:fillRef idx="1">
+            <a:schemeClr val="accent2"/>
+          </a:fillRef>
+          <a:effectRef idx="0">
+            <a:schemeClr val="accent2"/>
+          </a:effectRef>
+          <a:fontRef idx="minor">
+            <a:schemeClr val="lt1"/>
+          </a:fontRef>
+        </p:style>
+        <p:txBody>
+          <a:bodyPr rtlCol="0" anchor="ctr"/>
+          <a:lstStyle/>
+          <a:p>
+            <a:pPr algn="ctr"/>
+            <a:endParaRPr lang="es-CO"/>
+          </a:p>
+        </p:txBody>
+      </p:sp>
+      <p:sp>
+        <p:nvSpPr>
+          <p:cNvPr id="6" name="Elipse 5">
+            <a:extLst>
+              <a:ext uri="{FF2B5EF4-FFF2-40B4-BE49-F238E27FC236}">
+                <a16:creationId xmlns:a16="http://schemas.microsoft.com/office/drawing/2014/main" id="{0DC40009-AE8C-40EE-A81E-CF52A621CA65}"/>
+              </a:ext>
+            </a:extLst>
+          </p:cNvPr>
+          <p:cNvSpPr/>
+          <p:nvPr/>
+        </p:nvSpPr>
+        <p:spPr>
+          <a:xfrm>
+            <a:off x="563672" y="4923451"/>
+            <a:ext cx="2906038" cy="1940811"/>
+          </a:xfrm>
+          <a:prstGeom prst="ellipse">
+            <a:avLst/>
+          </a:prstGeom>
+        </p:spPr>
+        <p:style>
+          <a:lnRef idx="2">
+            <a:schemeClr val="accent2">
+              <a:shade val="50000"/>
+            </a:schemeClr>
+          </a:lnRef>
+          <a:fillRef idx="1">
+            <a:schemeClr val="accent2"/>
+          </a:fillRef>
+          <a:effectRef idx="0">
+            <a:schemeClr val="accent2"/>
+          </a:effectRef>
+          <a:fontRef idx="minor">
+            <a:schemeClr val="lt1"/>
+          </a:fontRef>
+        </p:style>
+        <p:txBody>
+          <a:bodyPr rtlCol="0" anchor="ctr"/>
+          <a:lstStyle/>
+          <a:p>
+            <a:pPr algn="ctr"/>
+            <a:r>
+              <a:rPr lang="es-ES" sz="1800" dirty="0"/>
+              <a:t>Se usa un </a:t>
+            </a:r>
+          </a:p>
+          <a:p>
+            <a:endParaRPr lang="es-ES" sz="1800" dirty="0"/>
+          </a:p>
+          <a:p>
+            <a:r>
+              <a:rPr lang="es-ES" sz="1800" dirty="0" err="1"/>
+              <a:t>If</a:t>
+            </a:r>
+            <a:r>
+              <a:rPr lang="es-ES" sz="1800" dirty="0"/>
+              <a:t> (condición)</a:t>
+            </a:r>
+          </a:p>
+          <a:p>
+            <a:r>
+              <a:rPr lang="es-ES" sz="1800" dirty="0"/>
+              <a:t>    Instrucciones </a:t>
+            </a:r>
+          </a:p>
+          <a:p>
+            <a:r>
+              <a:rPr lang="es-ES" sz="1800" dirty="0" err="1"/>
+              <a:t>Else</a:t>
+            </a:r>
+            <a:endParaRPr lang="es-ES" sz="1800" dirty="0"/>
+          </a:p>
+          <a:p>
+            <a:r>
+              <a:rPr lang="es-ES" sz="1800" dirty="0"/>
+              <a:t>    Instrucciones</a:t>
+            </a:r>
+            <a:endParaRPr lang="es-CO" sz="1800" dirty="0"/>
+          </a:p>
+        </p:txBody>
+      </p:sp>
+      <p:sp>
+        <p:nvSpPr>
+          <p:cNvPr id="7" name="CuadroTexto 6">
+            <a:extLst>
+              <a:ext uri="{FF2B5EF4-FFF2-40B4-BE49-F238E27FC236}">
+                <a16:creationId xmlns:a16="http://schemas.microsoft.com/office/drawing/2014/main" id="{FB7629E5-6177-469D-BB6E-EB2474785346}"/>
+              </a:ext>
+            </a:extLst>
+          </p:cNvPr>
+          <p:cNvSpPr txBox="1"/>
+          <p:nvPr/>
+        </p:nvSpPr>
+        <p:spPr>
+          <a:xfrm>
+            <a:off x="4511457" y="1718054"/>
+            <a:ext cx="3507288" cy="1200329"/>
+          </a:xfrm>
+          <a:prstGeom prst="rect">
+            <a:avLst/>
+          </a:prstGeom>
+          <a:noFill/>
+        </p:spPr>
+        <p:txBody>
+          <a:bodyPr wrap="square" rtlCol="0">
+            <a:spAutoFit/>
+          </a:bodyPr>
+          <a:lstStyle/>
+          <a:p>
+            <a:r>
+              <a:rPr lang="es-ES" sz="2400" dirty="0"/>
+              <a:t>Se necesita evaluar un valor entre una lista de casos(opciones)</a:t>
+            </a:r>
+            <a:endParaRPr lang="es-CO" sz="2400" dirty="0"/>
+          </a:p>
+        </p:txBody>
+      </p:sp>
+      <p:sp>
+        <p:nvSpPr>
+          <p:cNvPr id="8" name="Flecha: hacia abajo 7">
+            <a:extLst>
+              <a:ext uri="{FF2B5EF4-FFF2-40B4-BE49-F238E27FC236}">
+                <a16:creationId xmlns:a16="http://schemas.microsoft.com/office/drawing/2014/main" id="{55AA20B1-C848-480B-BD10-AE78426EC3E5}"/>
+              </a:ext>
+            </a:extLst>
+          </p:cNvPr>
+          <p:cNvSpPr/>
+          <p:nvPr/>
+        </p:nvSpPr>
+        <p:spPr>
+          <a:xfrm>
+            <a:off x="5989529" y="3144033"/>
+            <a:ext cx="839244" cy="1578280"/>
+          </a:xfrm>
+          <a:prstGeom prst="downArrow">
+            <a:avLst/>
+          </a:prstGeom>
+          <a:solidFill>
+            <a:schemeClr val="accent6"/>
+          </a:solidFill>
+          <a:ln>
+            <a:solidFill>
+              <a:schemeClr val="accent6"/>
+            </a:solidFill>
+          </a:ln>
+        </p:spPr>
+        <p:style>
+          <a:lnRef idx="2">
+            <a:schemeClr val="accent2">
+              <a:shade val="50000"/>
+            </a:schemeClr>
+          </a:lnRef>
+          <a:fillRef idx="1">
+            <a:schemeClr val="accent2"/>
+          </a:fillRef>
+          <a:effectRef idx="0">
+            <a:schemeClr val="accent2"/>
+          </a:effectRef>
+          <a:fontRef idx="minor">
+            <a:schemeClr val="lt1"/>
+          </a:fontRef>
+        </p:style>
+        <p:txBody>
+          <a:bodyPr rtlCol="0" anchor="ctr"/>
+          <a:lstStyle/>
+          <a:p>
+            <a:pPr algn="ctr"/>
+            <a:endParaRPr lang="es-CO"/>
+          </a:p>
+        </p:txBody>
+      </p:sp>
+      <p:sp>
+        <p:nvSpPr>
+          <p:cNvPr id="9" name="Elipse 8">
+            <a:extLst>
+              <a:ext uri="{FF2B5EF4-FFF2-40B4-BE49-F238E27FC236}">
+                <a16:creationId xmlns:a16="http://schemas.microsoft.com/office/drawing/2014/main" id="{4C3C06EE-C65E-4ACB-AF5D-FBD17FD219F0}"/>
+              </a:ext>
+            </a:extLst>
+          </p:cNvPr>
+          <p:cNvSpPr/>
+          <p:nvPr/>
+        </p:nvSpPr>
+        <p:spPr>
+          <a:xfrm>
+            <a:off x="4622104" y="4923451"/>
+            <a:ext cx="3682652" cy="1940811"/>
+          </a:xfrm>
+          <a:prstGeom prst="ellipse">
+            <a:avLst/>
+          </a:prstGeom>
+          <a:solidFill>
+            <a:schemeClr val="accent6"/>
+          </a:solidFill>
+          <a:ln>
+            <a:solidFill>
+              <a:schemeClr val="accent6"/>
+            </a:solidFill>
+          </a:ln>
+        </p:spPr>
+        <p:style>
+          <a:lnRef idx="2">
+            <a:schemeClr val="accent2">
+              <a:shade val="50000"/>
+            </a:schemeClr>
+          </a:lnRef>
+          <a:fillRef idx="1">
+            <a:schemeClr val="accent2"/>
+          </a:fillRef>
+          <a:effectRef idx="0">
+            <a:schemeClr val="accent2"/>
+          </a:effectRef>
+          <a:fontRef idx="minor">
+            <a:schemeClr val="lt1"/>
+          </a:fontRef>
+        </p:style>
+        <p:txBody>
+          <a:bodyPr rtlCol="0" anchor="ctr"/>
+          <a:lstStyle/>
+          <a:p>
+            <a:pPr algn="ctr"/>
+            <a:r>
+              <a:rPr lang="es-ES" sz="1800" dirty="0"/>
+              <a:t>Se usa un </a:t>
+            </a:r>
+          </a:p>
+          <a:p>
+            <a:r>
+              <a:rPr lang="es-ES" sz="1800" dirty="0"/>
+              <a:t>Switch (valor)</a:t>
+            </a:r>
+          </a:p>
+          <a:p>
+            <a:r>
+              <a:rPr lang="es-ES" sz="1800" dirty="0"/>
+              <a:t>  Caso 1: instrucciones</a:t>
+            </a:r>
+          </a:p>
+          <a:p>
+            <a:r>
+              <a:rPr lang="es-ES" sz="1800" dirty="0"/>
+              <a:t>  Caso 2: Instrucciones</a:t>
+            </a:r>
+          </a:p>
+          <a:p>
+            <a:r>
+              <a:rPr lang="es-ES" sz="1800" dirty="0"/>
+              <a:t>  Caso n: Instrucciones</a:t>
+            </a:r>
+          </a:p>
+          <a:p>
+            <a:r>
+              <a:rPr lang="es-ES" sz="1800" dirty="0"/>
+              <a:t>  En otro caso: </a:t>
+            </a:r>
+            <a:r>
+              <a:rPr lang="es-ES" sz="1800" dirty="0" err="1"/>
+              <a:t>instrucc</a:t>
+            </a:r>
+            <a:endParaRPr lang="es-ES" sz="1800" dirty="0"/>
+          </a:p>
+          <a:p>
+            <a:endParaRPr lang="es-ES" sz="1800" dirty="0"/>
+          </a:p>
+        </p:txBody>
+      </p:sp>
+      <p:sp>
+        <p:nvSpPr>
+          <p:cNvPr id="10" name="CuadroTexto 9">
+            <a:extLst>
+              <a:ext uri="{FF2B5EF4-FFF2-40B4-BE49-F238E27FC236}">
+                <a16:creationId xmlns:a16="http://schemas.microsoft.com/office/drawing/2014/main" id="{BC20DC2E-1D80-4E49-878D-029CB47D1DC6}"/>
+              </a:ext>
+            </a:extLst>
+          </p:cNvPr>
+          <p:cNvSpPr txBox="1"/>
+          <p:nvPr/>
+        </p:nvSpPr>
+        <p:spPr>
+          <a:xfrm>
+            <a:off x="8674344" y="1718054"/>
+            <a:ext cx="3507288" cy="830997"/>
+          </a:xfrm>
+          <a:prstGeom prst="rect">
+            <a:avLst/>
+          </a:prstGeom>
+          <a:noFill/>
+        </p:spPr>
+        <p:txBody>
+          <a:bodyPr wrap="square" rtlCol="0">
+            <a:spAutoFit/>
+          </a:bodyPr>
+          <a:lstStyle/>
+          <a:p>
+            <a:r>
+              <a:rPr lang="es-ES" sz="2400" dirty="0"/>
+              <a:t>Se necesitan evaluar múltiples condiciones</a:t>
+            </a:r>
+            <a:endParaRPr lang="es-CO" sz="2400" dirty="0"/>
+          </a:p>
+        </p:txBody>
+      </p:sp>
+      <p:sp>
+        <p:nvSpPr>
+          <p:cNvPr id="11" name="Flecha: hacia abajo 10">
+            <a:extLst>
+              <a:ext uri="{FF2B5EF4-FFF2-40B4-BE49-F238E27FC236}">
+                <a16:creationId xmlns:a16="http://schemas.microsoft.com/office/drawing/2014/main" id="{E9AECED1-8D50-459C-A7B6-38F43B51CDB5}"/>
+              </a:ext>
+            </a:extLst>
+          </p:cNvPr>
+          <p:cNvSpPr/>
+          <p:nvPr/>
+        </p:nvSpPr>
+        <p:spPr>
+          <a:xfrm>
+            <a:off x="10350675" y="2745921"/>
+            <a:ext cx="839244" cy="1578280"/>
+          </a:xfrm>
+          <a:prstGeom prst="downArrow">
+            <a:avLst/>
+          </a:prstGeom>
+        </p:spPr>
+        <p:style>
+          <a:lnRef idx="2">
+            <a:schemeClr val="accent5">
+              <a:shade val="50000"/>
+            </a:schemeClr>
+          </a:lnRef>
+          <a:fillRef idx="1">
+            <a:schemeClr val="accent5"/>
+          </a:fillRef>
+          <a:effectRef idx="0">
+            <a:schemeClr val="accent5"/>
+          </a:effectRef>
+          <a:fontRef idx="minor">
+            <a:schemeClr val="lt1"/>
+          </a:fontRef>
+        </p:style>
+        <p:txBody>
+          <a:bodyPr rtlCol="0" anchor="ctr"/>
+          <a:lstStyle/>
+          <a:p>
+            <a:pPr algn="ctr"/>
+            <a:endParaRPr lang="es-CO"/>
+          </a:p>
+        </p:txBody>
+      </p:sp>
+      <p:sp>
+        <p:nvSpPr>
+          <p:cNvPr id="12" name="Elipse 11">
+            <a:extLst>
+              <a:ext uri="{FF2B5EF4-FFF2-40B4-BE49-F238E27FC236}">
+                <a16:creationId xmlns:a16="http://schemas.microsoft.com/office/drawing/2014/main" id="{1595F9AD-BBE0-49C5-BA3B-9894B538EBAF}"/>
+              </a:ext>
+            </a:extLst>
+          </p:cNvPr>
+          <p:cNvSpPr/>
+          <p:nvPr/>
+        </p:nvSpPr>
+        <p:spPr>
+          <a:xfrm>
+            <a:off x="9182588" y="4447305"/>
+            <a:ext cx="3175417" cy="2893102"/>
+          </a:xfrm>
+          <a:prstGeom prst="ellipse">
+            <a:avLst/>
+          </a:prstGeom>
+        </p:spPr>
+        <p:style>
+          <a:lnRef idx="2">
+            <a:schemeClr val="accent5">
+              <a:shade val="50000"/>
+            </a:schemeClr>
+          </a:lnRef>
+          <a:fillRef idx="1">
+            <a:schemeClr val="accent5"/>
+          </a:fillRef>
+          <a:effectRef idx="0">
+            <a:schemeClr val="accent5"/>
+          </a:effectRef>
+          <a:fontRef idx="minor">
+            <a:schemeClr val="lt1"/>
+          </a:fontRef>
+        </p:style>
+        <p:txBody>
+          <a:bodyPr rtlCol="0" anchor="ctr"/>
+          <a:lstStyle/>
+          <a:p>
+            <a:pPr algn="ctr"/>
+            <a:r>
+              <a:rPr lang="es-ES" sz="1600" dirty="0"/>
+              <a:t>Se usa un </a:t>
+            </a:r>
+          </a:p>
+          <a:p>
+            <a:endParaRPr lang="es-ES" sz="1600" dirty="0"/>
+          </a:p>
+          <a:p>
+            <a:r>
+              <a:rPr lang="es-ES" sz="1600" dirty="0" err="1"/>
+              <a:t>If</a:t>
+            </a:r>
+            <a:r>
+              <a:rPr lang="es-ES" sz="1600" dirty="0"/>
+              <a:t> (condición)</a:t>
+            </a:r>
+          </a:p>
+          <a:p>
+            <a:r>
+              <a:rPr lang="es-ES" sz="1600" dirty="0"/>
+              <a:t>    Instrucciones </a:t>
+            </a:r>
+          </a:p>
+          <a:p>
+            <a:r>
+              <a:rPr lang="es-ES" sz="1600" dirty="0" err="1"/>
+              <a:t>Else</a:t>
+            </a:r>
+            <a:r>
+              <a:rPr lang="es-ES" sz="1600" dirty="0"/>
+              <a:t> </a:t>
+            </a:r>
+            <a:r>
+              <a:rPr lang="es-ES" sz="1600" dirty="0" err="1"/>
+              <a:t>if</a:t>
+            </a:r>
+            <a:r>
+              <a:rPr lang="es-ES" sz="1600" dirty="0"/>
+              <a:t>(condición)</a:t>
+            </a:r>
+          </a:p>
+          <a:p>
+            <a:r>
+              <a:rPr lang="es-ES" sz="1600" dirty="0"/>
+              <a:t>    Instrucciones</a:t>
+            </a:r>
+          </a:p>
+          <a:p>
+            <a:r>
+              <a:rPr lang="es-ES" sz="1600" dirty="0" err="1"/>
+              <a:t>Else</a:t>
+            </a:r>
+            <a:r>
+              <a:rPr lang="es-ES" sz="1600" dirty="0"/>
+              <a:t> </a:t>
+            </a:r>
+            <a:r>
+              <a:rPr lang="es-ES" sz="1600" dirty="0" err="1"/>
+              <a:t>if</a:t>
+            </a:r>
+            <a:r>
+              <a:rPr lang="es-ES" sz="1600" dirty="0"/>
+              <a:t> (condición)</a:t>
+            </a:r>
+          </a:p>
+          <a:p>
+            <a:r>
+              <a:rPr lang="es-ES" sz="1600" dirty="0"/>
+              <a:t>    Instrucciones</a:t>
+            </a:r>
+          </a:p>
+          <a:p>
+            <a:r>
+              <a:rPr lang="es-ES" sz="1600" dirty="0" err="1"/>
+              <a:t>Else</a:t>
+            </a:r>
+            <a:endParaRPr lang="es-ES" sz="1600" dirty="0"/>
+          </a:p>
+          <a:p>
+            <a:r>
+              <a:rPr lang="es-ES" sz="1600" dirty="0"/>
+              <a:t>    Instrucciones</a:t>
+            </a:r>
+            <a:endParaRPr lang="es-CO" sz="1600" dirty="0"/>
+          </a:p>
+        </p:txBody>
+      </p:sp>
+    </p:spTree>
+    <p:extLst>
+      <p:ext uri="{BB962C8B-B14F-4D97-AF65-F5344CB8AC3E}">
+        <p14:creationId xmlns:p14="http://schemas.microsoft.com/office/powerpoint/2010/main" val="3973265627"/>
+      </p:ext>
+    </p:extLst>
+  </p:cSld>
+  <p:clrMapOvr>
+    <a:masterClrMapping/>
+  </p:clrMapOvr>
+  <p:timing>
+    <p:tnLst>
+      <p:par>
+        <p:cTn id="1" dur="indefinite" restart="never" nodeType="tmRoot">
+          <p:childTnLst>
+            <p:seq concurrent="1" nextAc="seek">
+              <p:cTn id="2" dur="indefinite" nodeType="mainSeq">
+                <p:childTnLst>
+                  <p:par>
+                    <p:cTn id="3" fill="hold">
+                      <p:stCondLst>
+                        <p:cond delay="indefinite"/>
+                      </p:stCondLst>
+                      <p:childTnLst>
+                        <p:par>
+                          <p:cTn id="4" fill="hold">
+                            <p:stCondLst>
+                              <p:cond delay="0"/>
+                            </p:stCondLst>
+                            <p:childTnLst>
+                              <p:par>
+                                <p:cTn id="5" presetID="1" presetClass="entr" presetSubtype="0" fill="hold" grpId="0" nodeType="clickEffect">
+                                  <p:stCondLst>
+                                    <p:cond delay="0"/>
+                                  </p:stCondLst>
+                                  <p:childTnLst>
+                                    <p:set>
+                                      <p:cBhvr>
+                                        <p:cTn id="6" dur="1" fill="hold">
+                                          <p:stCondLst>
+                                            <p:cond delay="0"/>
+                                          </p:stCondLst>
+                                        </p:cTn>
+                                        <p:tgtEl>
+                                          <p:spTgt spid="4"/>
+                                        </p:tgtEl>
+                                        <p:attrNameLst>
+                                          <p:attrName>style.visibility</p:attrName>
+                                        </p:attrNameLst>
+                                      </p:cBhvr>
+                                      <p:to>
+                                        <p:strVal val="visible"/>
+                                      </p:to>
+                                    </p:set>
+                                  </p:childTnLst>
+                                </p:cTn>
+                              </p:par>
+                              <p:par>
+                                <p:cTn id="7" presetID="1" presetClass="entr" presetSubtype="0" fill="hold" grpId="0" nodeType="withEffect">
+                                  <p:stCondLst>
+                                    <p:cond delay="0"/>
+                                  </p:stCondLst>
+                                  <p:childTnLst>
+                                    <p:set>
+                                      <p:cBhvr>
+                                        <p:cTn id="8" dur="1" fill="hold">
+                                          <p:stCondLst>
+                                            <p:cond delay="0"/>
+                                          </p:stCondLst>
+                                        </p:cTn>
+                                        <p:tgtEl>
+                                          <p:spTgt spid="5"/>
+                                        </p:tgtEl>
+                                        <p:attrNameLst>
+                                          <p:attrName>style.visibility</p:attrName>
+                                        </p:attrNameLst>
+                                      </p:cBhvr>
+                                      <p:to>
+                                        <p:strVal val="visible"/>
+                                      </p:to>
+                                    </p:set>
+                                  </p:childTnLst>
+                                </p:cTn>
+                              </p:par>
+                              <p:par>
+                                <p:cTn id="9" presetID="1" presetClass="entr" presetSubtype="0" fill="hold" grpId="0" nodeType="withEffect">
+                                  <p:stCondLst>
+                                    <p:cond delay="0"/>
+                                  </p:stCondLst>
+                                  <p:childTnLst>
+                                    <p:set>
+                                      <p:cBhvr>
+                                        <p:cTn id="10" dur="1" fill="hold">
+                                          <p:stCondLst>
+                                            <p:cond delay="0"/>
+                                          </p:stCondLst>
+                                        </p:cTn>
+                                        <p:tgtEl>
+                                          <p:spTgt spid="6"/>
+                                        </p:tgtEl>
+                                        <p:attrNameLst>
+                                          <p:attrName>style.visibility</p:attrName>
+                                        </p:attrNameLst>
+                                      </p:cBhvr>
+                                      <p:to>
+                                        <p:strVal val="visible"/>
+                                      </p:to>
+                                    </p:set>
+                                  </p:childTnLst>
+                                </p:cTn>
+                              </p:par>
+                            </p:childTnLst>
+                          </p:cTn>
+                        </p:par>
+                      </p:childTnLst>
+                    </p:cTn>
+                  </p:par>
+                  <p:par>
+                    <p:cTn id="11" fill="hold">
+                      <p:stCondLst>
+                        <p:cond delay="indefinite"/>
+                      </p:stCondLst>
+                      <p:childTnLst>
+                        <p:par>
+                          <p:cTn id="12" fill="hold">
+                            <p:stCondLst>
+                              <p:cond delay="0"/>
+                            </p:stCondLst>
+                            <p:childTnLst>
+                              <p:par>
+                                <p:cTn id="13" presetID="1" presetClass="entr" presetSubtype="0" fill="hold" grpId="0" nodeType="clickEffect">
+                                  <p:stCondLst>
+                                    <p:cond delay="0"/>
+                                  </p:stCondLst>
+                                  <p:childTnLst>
+                                    <p:set>
+                                      <p:cBhvr>
+                                        <p:cTn id="14" dur="1" fill="hold">
+                                          <p:stCondLst>
+                                            <p:cond delay="0"/>
+                                          </p:stCondLst>
+                                        </p:cTn>
+                                        <p:tgtEl>
+                                          <p:spTgt spid="7"/>
+                                        </p:tgtEl>
+                                        <p:attrNameLst>
+                                          <p:attrName>style.visibility</p:attrName>
+                                        </p:attrNameLst>
+                                      </p:cBhvr>
+                                      <p:to>
+                                        <p:strVal val="visible"/>
+                                      </p:to>
+                                    </p:set>
+                                  </p:childTnLst>
+                                </p:cTn>
+                              </p:par>
+                              <p:par>
+                                <p:cTn id="15" presetID="1" presetClass="entr" presetSubtype="0" fill="hold" grpId="0" nodeType="withEffect">
+                                  <p:stCondLst>
+                                    <p:cond delay="0"/>
+                                  </p:stCondLst>
+                                  <p:childTnLst>
+                                    <p:set>
+                                      <p:cBhvr>
+                                        <p:cTn id="16" dur="1" fill="hold">
+                                          <p:stCondLst>
+                                            <p:cond delay="0"/>
+                                          </p:stCondLst>
+                                        </p:cTn>
+                                        <p:tgtEl>
+                                          <p:spTgt spid="8"/>
+                                        </p:tgtEl>
+                                        <p:attrNameLst>
+                                          <p:attrName>style.visibility</p:attrName>
+                                        </p:attrNameLst>
+                                      </p:cBhvr>
+                                      <p:to>
+                                        <p:strVal val="visible"/>
+                                      </p:to>
+                                    </p:set>
+                                  </p:childTnLst>
+                                </p:cTn>
+                              </p:par>
+                              <p:par>
+                                <p:cTn id="17" presetID="1" presetClass="entr" presetSubtype="0" fill="hold" grpId="0" nodeType="withEffect">
+                                  <p:stCondLst>
+                                    <p:cond delay="0"/>
+                                  </p:stCondLst>
+                                  <p:childTnLst>
+                                    <p:set>
+                                      <p:cBhvr>
+                                        <p:cTn id="18" dur="1" fill="hold">
+                                          <p:stCondLst>
+                                            <p:cond delay="0"/>
+                                          </p:stCondLst>
+                                        </p:cTn>
+                                        <p:tgtEl>
+                                          <p:spTgt spid="9"/>
+                                        </p:tgtEl>
+                                        <p:attrNameLst>
+                                          <p:attrName>style.visibility</p:attrName>
+                                        </p:attrNameLst>
+                                      </p:cBhvr>
+                                      <p:to>
+                                        <p:strVal val="visible"/>
+                                      </p:to>
+                                    </p:set>
+                                  </p:childTnLst>
+                                </p:cTn>
+                              </p:par>
+                            </p:childTnLst>
+                          </p:cTn>
+                        </p:par>
+                      </p:childTnLst>
+                    </p:cTn>
+                  </p:par>
+                  <p:par>
+                    <p:cTn id="19" fill="hold">
+                      <p:stCondLst>
+                        <p:cond delay="indefinite"/>
+                      </p:stCondLst>
+                      <p:childTnLst>
+                        <p:par>
+                          <p:cTn id="20" fill="hold">
+                            <p:stCondLst>
+                              <p:cond delay="0"/>
+                            </p:stCondLst>
+                            <p:childTnLst>
+                              <p:par>
+                                <p:cTn id="21" presetID="1" presetClass="entr" presetSubtype="0" fill="hold" grpId="0" nodeType="clickEffect">
+                                  <p:stCondLst>
+                                    <p:cond delay="0"/>
+                                  </p:stCondLst>
+                                  <p:childTnLst>
+                                    <p:set>
+                                      <p:cBhvr>
+                                        <p:cTn id="22" dur="1" fill="hold">
+                                          <p:stCondLst>
+                                            <p:cond delay="0"/>
+                                          </p:stCondLst>
+                                        </p:cTn>
+                                        <p:tgtEl>
+                                          <p:spTgt spid="10"/>
+                                        </p:tgtEl>
+                                        <p:attrNameLst>
+                                          <p:attrName>style.visibility</p:attrName>
+                                        </p:attrNameLst>
+                                      </p:cBhvr>
+                                      <p:to>
+                                        <p:strVal val="visible"/>
+                                      </p:to>
+                                    </p:set>
+                                  </p:childTnLst>
+                                </p:cTn>
+                              </p:par>
+                              <p:par>
+                                <p:cTn id="23" presetID="1" presetClass="entr" presetSubtype="0" fill="hold" grpId="0" nodeType="withEffect">
+                                  <p:stCondLst>
+                                    <p:cond delay="0"/>
+                                  </p:stCondLst>
+                                  <p:childTnLst>
+                                    <p:set>
+                                      <p:cBhvr>
+                                        <p:cTn id="24" dur="1" fill="hold">
+                                          <p:stCondLst>
+                                            <p:cond delay="0"/>
+                                          </p:stCondLst>
+                                        </p:cTn>
+                                        <p:tgtEl>
+                                          <p:spTgt spid="11"/>
+                                        </p:tgtEl>
+                                        <p:attrNameLst>
+                                          <p:attrName>style.visibility</p:attrName>
+                                        </p:attrNameLst>
+                                      </p:cBhvr>
+                                      <p:to>
+                                        <p:strVal val="visible"/>
+                                      </p:to>
+                                    </p:set>
+                                  </p:childTnLst>
+                                </p:cTn>
+                              </p:par>
+                              <p:par>
+                                <p:cTn id="25" presetID="1" presetClass="entr" presetSubtype="0" fill="hold" grpId="0" nodeType="withEffect">
+                                  <p:stCondLst>
+                                    <p:cond delay="0"/>
+                                  </p:stCondLst>
+                                  <p:childTnLst>
+                                    <p:set>
+                                      <p:cBhvr>
+                                        <p:cTn id="26" dur="1" fill="hold">
+                                          <p:stCondLst>
+                                            <p:cond delay="0"/>
+                                          </p:stCondLst>
+                                        </p:cTn>
+                                        <p:tgtEl>
+                                          <p:spTgt spid="12"/>
+                                        </p:tgtEl>
+                                        <p:attrNameLst>
+                                          <p:attrName>style.visibility</p:attrName>
+                                        </p:attrNameLst>
+                                      </p:cBhvr>
+                                      <p:to>
+                                        <p:strVal val="visible"/>
+                                      </p:to>
+                                    </p:set>
+                                  </p:childTnLst>
+                                </p:cTn>
+                              </p:par>
+                            </p:childTnLst>
+                          </p:cTn>
+                        </p:par>
+                      </p:childTnLst>
+                    </p:cTn>
+                  </p:par>
+                </p:childTnLst>
+              </p:cTn>
+              <p:prevCondLst>
+                <p:cond evt="onPrev" delay="0">
+                  <p:tgtEl>
+                    <p:sldTgt/>
+                  </p:tgtEl>
+                </p:cond>
+              </p:prevCondLst>
+              <p:nextCondLst>
+                <p:cond evt="onNext" delay="0">
+                  <p:tgtEl>
+                    <p:sldTgt/>
+                  </p:tgtEl>
+                </p:cond>
+              </p:nextCondLst>
+            </p:seq>
+          </p:childTnLst>
+        </p:cTn>
+      </p:par>
+    </p:tnLst>
+    <p:bldLst>
+      <p:bldP spid="4" grpId="0"/>
+      <p:bldP spid="5" grpId="0" animBg="1"/>
+      <p:bldP spid="6" grpId="0" animBg="1"/>
+      <p:bldP spid="7" grpId="0"/>
+      <p:bldP spid="8" grpId="0" animBg="1"/>
+      <p:bldP spid="9" grpId="0" animBg="1"/>
+      <p:bldP spid="10" grpId="0"/>
+      <p:bldP spid="11" grpId="0" animBg="1"/>
+      <p:bldP spid="12" grpId="0" animBg="1"/>
+    </p:bldLst>
+  </p:timing>
+</p:sld>
+</file>
+
+<file path=ppt/slides/slide25.xml><?xml version="1.0" encoding="utf-8"?>
 <p:sld xmlns:a="http://schemas.openxmlformats.org/drawingml/2006/main" xmlns:r="http://schemas.openxmlformats.org/officeDocument/2006/relationships" xmlns:p="http://schemas.openxmlformats.org/presentationml/2006/main">
   <p:cSld>
     <p:spTree>
@@ -22204,6 +24018,211 @@
 </file>
 
 <file path=ppt/slides/slide3.xml><?xml version="1.0" encoding="utf-8"?>
+<p:sld xmlns:a="http://schemas.openxmlformats.org/drawingml/2006/main" xmlns:r="http://schemas.openxmlformats.org/officeDocument/2006/relationships" xmlns:p="http://schemas.openxmlformats.org/presentationml/2006/main">
+  <p:cSld>
+    <p:spTree>
+      <p:nvGrpSpPr>
+        <p:cNvPr id="1" name=""/>
+        <p:cNvGrpSpPr/>
+        <p:nvPr/>
+      </p:nvGrpSpPr>
+      <p:grpSpPr>
+        <a:xfrm>
+          <a:off x="0" y="0"/>
+          <a:ext cx="0" cy="0"/>
+          <a:chOff x="0" y="0"/>
+          <a:chExt cx="0" cy="0"/>
+        </a:xfrm>
+      </p:grpSpPr>
+      <p:sp>
+        <p:nvSpPr>
+          <p:cNvPr id="2" name="Título 1">
+            <a:extLst>
+              <a:ext uri="{FF2B5EF4-FFF2-40B4-BE49-F238E27FC236}">
+                <a16:creationId xmlns:a16="http://schemas.microsoft.com/office/drawing/2014/main" id="{5A559F2D-B5A6-4741-A81A-37C626D37E60}"/>
+              </a:ext>
+            </a:extLst>
+          </p:cNvPr>
+          <p:cNvSpPr>
+            <a:spLocks noGrp="1"/>
+          </p:cNvSpPr>
+          <p:nvPr>
+            <p:ph type="title"/>
+          </p:nvPr>
+        </p:nvSpPr>
+        <p:spPr>
+          <a:xfrm>
+            <a:off x="1175428" y="176863"/>
+            <a:ext cx="7855838" cy="1502305"/>
+          </a:xfrm>
+        </p:spPr>
+        <p:txBody>
+          <a:bodyPr/>
+          <a:lstStyle/>
+          <a:p>
+            <a:r>
+              <a:rPr lang="es-ES" sz="4800" dirty="0"/>
+              <a:t>En programación sirven para:</a:t>
+            </a:r>
+            <a:endParaRPr lang="es-CO" sz="4800" dirty="0"/>
+          </a:p>
+        </p:txBody>
+      </p:sp>
+      <p:sp>
+        <p:nvSpPr>
+          <p:cNvPr id="3" name="CuadroTexto 2">
+            <a:extLst>
+              <a:ext uri="{FF2B5EF4-FFF2-40B4-BE49-F238E27FC236}">
+                <a16:creationId xmlns:a16="http://schemas.microsoft.com/office/drawing/2014/main" id="{60F207AC-3AE4-4722-965C-6D77A07C7778}"/>
+              </a:ext>
+            </a:extLst>
+          </p:cNvPr>
+          <p:cNvSpPr txBox="1"/>
+          <p:nvPr/>
+        </p:nvSpPr>
+        <p:spPr>
+          <a:xfrm>
+            <a:off x="1478072" y="2222096"/>
+            <a:ext cx="6576163" cy="1323439"/>
+          </a:xfrm>
+          <a:prstGeom prst="rect">
+            <a:avLst/>
+          </a:prstGeom>
+          <a:noFill/>
+        </p:spPr>
+        <p:txBody>
+          <a:bodyPr wrap="square" rtlCol="0">
+            <a:spAutoFit/>
+          </a:bodyPr>
+          <a:lstStyle/>
+          <a:p>
+            <a:pPr marL="342900" indent="-342900">
+              <a:buFont typeface="Arial" panose="020B0604020202020204" pitchFamily="34" charset="0"/>
+              <a:buChar char="•"/>
+            </a:pPr>
+            <a:r>
+              <a:rPr lang="es-ES" sz="2000" dirty="0"/>
+              <a:t>Validar los datos que ingresa el usuario, o la información que viene en archivos de entrada antes de su procesamiento</a:t>
+            </a:r>
+          </a:p>
+          <a:p>
+            <a:endParaRPr lang="es-ES" sz="2000" dirty="0"/>
+          </a:p>
+        </p:txBody>
+      </p:sp>
+      <p:sp>
+        <p:nvSpPr>
+          <p:cNvPr id="5" name="CuadroTexto 4">
+            <a:extLst>
+              <a:ext uri="{FF2B5EF4-FFF2-40B4-BE49-F238E27FC236}">
+                <a16:creationId xmlns:a16="http://schemas.microsoft.com/office/drawing/2014/main" id="{18B2BD6A-061F-4F85-B1D1-5D26820709E2}"/>
+              </a:ext>
+            </a:extLst>
+          </p:cNvPr>
+          <p:cNvSpPr txBox="1"/>
+          <p:nvPr/>
+        </p:nvSpPr>
+        <p:spPr>
+          <a:xfrm>
+            <a:off x="4283903" y="4972056"/>
+            <a:ext cx="6908104" cy="707886"/>
+          </a:xfrm>
+          <a:prstGeom prst="rect">
+            <a:avLst/>
+          </a:prstGeom>
+          <a:noFill/>
+        </p:spPr>
+        <p:txBody>
+          <a:bodyPr wrap="square">
+            <a:spAutoFit/>
+          </a:bodyPr>
+          <a:lstStyle/>
+          <a:p>
+            <a:pPr marL="342900" indent="-342900">
+              <a:buFont typeface="Arial" panose="020B0604020202020204" pitchFamily="34" charset="0"/>
+              <a:buChar char="•"/>
+            </a:pPr>
+            <a:r>
+              <a:rPr lang="es-ES" sz="2000" dirty="0"/>
+              <a:t>Que los programas tomen decisiones sobre cuándo ejecutar unas instrucciones y cuando no.</a:t>
+            </a:r>
+          </a:p>
+        </p:txBody>
+      </p:sp>
+      <p:pic>
+        <p:nvPicPr>
+          <p:cNvPr id="7" name="Imagen 6">
+            <a:extLst>
+              <a:ext uri="{FF2B5EF4-FFF2-40B4-BE49-F238E27FC236}">
+                <a16:creationId xmlns:a16="http://schemas.microsoft.com/office/drawing/2014/main" id="{DBE9102A-AF69-4CD2-AA29-9B834C3BE901}"/>
+              </a:ext>
+            </a:extLst>
+          </p:cNvPr>
+          <p:cNvPicPr>
+            <a:picLocks noChangeAspect="1"/>
+          </p:cNvPicPr>
+          <p:nvPr/>
+        </p:nvPicPr>
+        <p:blipFill>
+          <a:blip r:embed="rId2"/>
+          <a:stretch>
+            <a:fillRect/>
+          </a:stretch>
+        </p:blipFill>
+        <p:spPr>
+          <a:xfrm>
+            <a:off x="8311021" y="1881432"/>
+            <a:ext cx="2521280" cy="2004768"/>
+          </a:xfrm>
+          <a:prstGeom prst="rect">
+            <a:avLst/>
+          </a:prstGeom>
+        </p:spPr>
+      </p:pic>
+      <p:pic>
+        <p:nvPicPr>
+          <p:cNvPr id="9" name="Imagen 8">
+            <a:extLst>
+              <a:ext uri="{FF2B5EF4-FFF2-40B4-BE49-F238E27FC236}">
+                <a16:creationId xmlns:a16="http://schemas.microsoft.com/office/drawing/2014/main" id="{9389A56C-08A1-40FC-8BEE-316A3CE98E5F}"/>
+              </a:ext>
+            </a:extLst>
+          </p:cNvPr>
+          <p:cNvPicPr>
+            <a:picLocks noChangeAspect="1"/>
+          </p:cNvPicPr>
+          <p:nvPr/>
+        </p:nvPicPr>
+        <p:blipFill>
+          <a:blip r:embed="rId3"/>
+          <a:stretch>
+            <a:fillRect/>
+          </a:stretch>
+        </p:blipFill>
+        <p:spPr>
+          <a:xfrm>
+            <a:off x="1164579" y="3753488"/>
+            <a:ext cx="2877631" cy="3145022"/>
+          </a:xfrm>
+          <a:prstGeom prst="rect">
+            <a:avLst/>
+          </a:prstGeom>
+        </p:spPr>
+      </p:pic>
+    </p:spTree>
+    <p:extLst>
+      <p:ext uri="{BB962C8B-B14F-4D97-AF65-F5344CB8AC3E}">
+        <p14:creationId xmlns:p14="http://schemas.microsoft.com/office/powerpoint/2010/main" val="1622187415"/>
+      </p:ext>
+    </p:extLst>
+  </p:cSld>
+  <p:clrMapOvr>
+    <a:masterClrMapping/>
+  </p:clrMapOvr>
+</p:sld>
+</file>
+
+<file path=ppt/slides/slide4.xml><?xml version="1.0" encoding="utf-8"?>
 <p:sld xmlns:a="http://schemas.openxmlformats.org/drawingml/2006/main" xmlns:r="http://schemas.openxmlformats.org/officeDocument/2006/relationships" xmlns:p="http://schemas.openxmlformats.org/presentationml/2006/main">
   <p:cSld>
     <p:spTree>
@@ -23515,7 +25534,7 @@
 </p:sld>
 </file>
 
-<file path=ppt/slides/slide4.xml><?xml version="1.0" encoding="utf-8"?>
+<file path=ppt/slides/slide5.xml><?xml version="1.0" encoding="utf-8"?>
 <p:sld xmlns:a="http://schemas.openxmlformats.org/drawingml/2006/main" xmlns:r="http://schemas.openxmlformats.org/officeDocument/2006/relationships" xmlns:p="http://schemas.openxmlformats.org/presentationml/2006/main">
   <p:cSld>
     <p:spTree>
@@ -24543,7 +26562,7 @@
 </p:sld>
 </file>
 
-<file path=ppt/slides/slide5.xml><?xml version="1.0" encoding="utf-8"?>
+<file path=ppt/slides/slide6.xml><?xml version="1.0" encoding="utf-8"?>
 <p:sld xmlns:a="http://schemas.openxmlformats.org/drawingml/2006/main" xmlns:r="http://schemas.openxmlformats.org/officeDocument/2006/relationships" xmlns:p="http://schemas.openxmlformats.org/presentationml/2006/main">
   <p:cSld>
     <p:spTree>
@@ -26124,7 +28143,7 @@
 </p:sld>
 </file>
 
-<file path=ppt/slides/slide6.xml><?xml version="1.0" encoding="utf-8"?>
+<file path=ppt/slides/slide7.xml><?xml version="1.0" encoding="utf-8"?>
 <p:sld xmlns:a="http://schemas.openxmlformats.org/drawingml/2006/main" xmlns:r="http://schemas.openxmlformats.org/officeDocument/2006/relationships" xmlns:p="http://schemas.openxmlformats.org/presentationml/2006/main">
   <p:cSld>
     <p:spTree>
@@ -26873,7 +28892,827 @@
 </p:sld>
 </file>
 
-<file path=ppt/slides/slide7.xml><?xml version="1.0" encoding="utf-8"?>
+<file path=ppt/slides/slide8.xml><?xml version="1.0" encoding="utf-8"?>
+<p:sld xmlns:a="http://schemas.openxmlformats.org/drawingml/2006/main" xmlns:r="http://schemas.openxmlformats.org/officeDocument/2006/relationships" xmlns:p="http://schemas.openxmlformats.org/presentationml/2006/main">
+  <p:cSld>
+    <p:spTree>
+      <p:nvGrpSpPr>
+        <p:cNvPr id="1" name=""/>
+        <p:cNvGrpSpPr/>
+        <p:nvPr/>
+      </p:nvGrpSpPr>
+      <p:grpSpPr>
+        <a:xfrm>
+          <a:off x="0" y="0"/>
+          <a:ext cx="0" cy="0"/>
+          <a:chOff x="0" y="0"/>
+          <a:chExt cx="0" cy="0"/>
+        </a:xfrm>
+      </p:grpSpPr>
+      <p:sp>
+        <p:nvSpPr>
+          <p:cNvPr id="2" name="Título 1">
+            <a:extLst>
+              <a:ext uri="{FF2B5EF4-FFF2-40B4-BE49-F238E27FC236}">
+                <a16:creationId xmlns:a16="http://schemas.microsoft.com/office/drawing/2014/main" id="{4495E86E-CC4C-4320-B20C-D93DA778B0A9}"/>
+              </a:ext>
+            </a:extLst>
+          </p:cNvPr>
+          <p:cNvSpPr>
+            <a:spLocks noGrp="1"/>
+          </p:cNvSpPr>
+          <p:nvPr>
+            <p:ph type="title"/>
+          </p:nvPr>
+        </p:nvSpPr>
+        <p:spPr/>
+        <p:txBody>
+          <a:bodyPr/>
+          <a:lstStyle/>
+          <a:p>
+            <a:r>
+              <a:rPr lang="es-ES" dirty="0"/>
+              <a:t>Cómo se </a:t>
+            </a:r>
+            <a:r>
+              <a:rPr lang="es-ES" sz="4000" dirty="0"/>
+              <a:t>escriben</a:t>
+            </a:r>
+            <a:r>
+              <a:rPr lang="es-ES" dirty="0"/>
+              <a:t> los </a:t>
+            </a:r>
+            <a:r>
+              <a:rPr lang="es-ES" dirty="0" err="1"/>
+              <a:t>if</a:t>
+            </a:r>
+            <a:r>
+              <a:rPr lang="es-ES" dirty="0"/>
+              <a:t> en java?</a:t>
+            </a:r>
+            <a:endParaRPr lang="es-CO" dirty="0"/>
+          </a:p>
+        </p:txBody>
+      </p:sp>
+      <p:sp>
+        <p:nvSpPr>
+          <p:cNvPr id="4" name="CuadroTexto 3">
+            <a:extLst>
+              <a:ext uri="{FF2B5EF4-FFF2-40B4-BE49-F238E27FC236}">
+                <a16:creationId xmlns:a16="http://schemas.microsoft.com/office/drawing/2014/main" id="{4D951BF3-6372-49F4-A3B0-01404DE38A1A}"/>
+              </a:ext>
+            </a:extLst>
+          </p:cNvPr>
+          <p:cNvSpPr txBox="1"/>
+          <p:nvPr/>
+        </p:nvSpPr>
+        <p:spPr>
+          <a:xfrm>
+            <a:off x="752953" y="2097623"/>
+            <a:ext cx="3369502" cy="923330"/>
+          </a:xfrm>
+          <a:prstGeom prst="rect">
+            <a:avLst/>
+          </a:prstGeom>
+          <a:noFill/>
+        </p:spPr>
+        <p:txBody>
+          <a:bodyPr wrap="square" rtlCol="0">
+            <a:spAutoFit/>
+          </a:bodyPr>
+          <a:lstStyle/>
+          <a:p>
+            <a:r>
+              <a:rPr lang="es-ES" sz="1800" dirty="0"/>
+              <a:t>Cuando se tiene una instrucción en cada lado del condicional</a:t>
+            </a:r>
+            <a:endParaRPr lang="es-CO" sz="1800" dirty="0"/>
+          </a:p>
+        </p:txBody>
+      </p:sp>
+      <p:sp>
+        <p:nvSpPr>
+          <p:cNvPr id="5" name="CuadroTexto 4">
+            <a:extLst>
+              <a:ext uri="{FF2B5EF4-FFF2-40B4-BE49-F238E27FC236}">
+                <a16:creationId xmlns:a16="http://schemas.microsoft.com/office/drawing/2014/main" id="{614BD90D-1164-4105-8C6C-27C3FAD9A8A7}"/>
+              </a:ext>
+            </a:extLst>
+          </p:cNvPr>
+          <p:cNvSpPr txBox="1"/>
+          <p:nvPr/>
+        </p:nvSpPr>
+        <p:spPr>
+          <a:xfrm>
+            <a:off x="949960" y="5422212"/>
+            <a:ext cx="3369502" cy="923330"/>
+          </a:xfrm>
+          <a:prstGeom prst="rect">
+            <a:avLst/>
+          </a:prstGeom>
+          <a:noFill/>
+        </p:spPr>
+        <p:txBody>
+          <a:bodyPr wrap="square" rtlCol="0">
+            <a:spAutoFit/>
+          </a:bodyPr>
+          <a:lstStyle/>
+          <a:p>
+            <a:r>
+              <a:rPr lang="es-ES" sz="1800" dirty="0"/>
+              <a:t>Cuando se tienen varias instrucciones en cada lado del condicional</a:t>
+            </a:r>
+            <a:endParaRPr lang="es-CO" sz="1800" dirty="0"/>
+          </a:p>
+        </p:txBody>
+      </p:sp>
+      <p:sp>
+        <p:nvSpPr>
+          <p:cNvPr id="6" name="CuadroTexto 5">
+            <a:extLst>
+              <a:ext uri="{FF2B5EF4-FFF2-40B4-BE49-F238E27FC236}">
+                <a16:creationId xmlns:a16="http://schemas.microsoft.com/office/drawing/2014/main" id="{5806927C-5AA2-4354-8C0A-220599F2BEB6}"/>
+              </a:ext>
+            </a:extLst>
+          </p:cNvPr>
+          <p:cNvSpPr txBox="1"/>
+          <p:nvPr/>
+        </p:nvSpPr>
+        <p:spPr>
+          <a:xfrm>
+            <a:off x="5833635" y="2822501"/>
+            <a:ext cx="5158785" cy="1569660"/>
+          </a:xfrm>
+          <a:prstGeom prst="rect">
+            <a:avLst/>
+          </a:prstGeom>
+        </p:spPr>
+        <p:style>
+          <a:lnRef idx="2">
+            <a:schemeClr val="dk1"/>
+          </a:lnRef>
+          <a:fillRef idx="1">
+            <a:schemeClr val="lt1"/>
+          </a:fillRef>
+          <a:effectRef idx="0">
+            <a:schemeClr val="dk1"/>
+          </a:effectRef>
+          <a:fontRef idx="minor">
+            <a:schemeClr val="dk1"/>
+          </a:fontRef>
+        </p:style>
+        <p:txBody>
+          <a:bodyPr wrap="square" rtlCol="0">
+            <a:spAutoFit/>
+          </a:bodyPr>
+          <a:lstStyle/>
+          <a:p>
+            <a:r>
+              <a:rPr lang="es-ES" sz="1600" dirty="0" err="1"/>
+              <a:t>if</a:t>
+            </a:r>
+            <a:r>
+              <a:rPr lang="es-ES" sz="1600" dirty="0"/>
+              <a:t> (edad &gt;= 18)</a:t>
+            </a:r>
+          </a:p>
+          <a:p>
+            <a:r>
+              <a:rPr lang="es-ES" sz="1600" dirty="0"/>
+              <a:t>    </a:t>
+            </a:r>
+            <a:r>
+              <a:rPr lang="es-ES" sz="1600" dirty="0" err="1"/>
+              <a:t>System.out.println</a:t>
+            </a:r>
+            <a:r>
+              <a:rPr lang="es-ES" sz="1600" dirty="0"/>
+              <a:t>(“Es mayor de edad”);</a:t>
+            </a:r>
+          </a:p>
+          <a:p>
+            <a:r>
+              <a:rPr lang="es-ES" sz="1600" dirty="0" err="1"/>
+              <a:t>else</a:t>
+            </a:r>
+            <a:endParaRPr lang="es-ES" sz="1600" dirty="0"/>
+          </a:p>
+          <a:p>
+            <a:r>
+              <a:rPr lang="es-ES" sz="1600" dirty="0"/>
+              <a:t>    </a:t>
+            </a:r>
+            <a:r>
+              <a:rPr lang="es-ES" sz="1600" dirty="0" err="1"/>
+              <a:t>System.out.println</a:t>
+            </a:r>
+            <a:r>
+              <a:rPr lang="es-ES" sz="1600" dirty="0"/>
+              <a:t>(“Es menor de edad”);</a:t>
+            </a:r>
+          </a:p>
+          <a:p>
+            <a:endParaRPr lang="es-CO" sz="1600" dirty="0"/>
+          </a:p>
+          <a:p>
+            <a:r>
+              <a:rPr lang="es-CO" sz="1600" dirty="0">
+                <a:solidFill>
+                  <a:srgbClr val="FF0000"/>
+                </a:solidFill>
+              </a:rPr>
+              <a:t>La siguiente instrucción por fuera el </a:t>
+            </a:r>
+            <a:r>
+              <a:rPr lang="es-CO" sz="1600" dirty="0" err="1">
+                <a:solidFill>
+                  <a:srgbClr val="FF0000"/>
+                </a:solidFill>
+              </a:rPr>
+              <a:t>if</a:t>
+            </a:r>
+            <a:endParaRPr lang="es-CO" sz="1600" dirty="0">
+              <a:solidFill>
+                <a:srgbClr val="FF0000"/>
+              </a:solidFill>
+            </a:endParaRPr>
+          </a:p>
+        </p:txBody>
+      </p:sp>
+      <p:sp>
+        <p:nvSpPr>
+          <p:cNvPr id="7" name="CuadroTexto 6">
+            <a:extLst>
+              <a:ext uri="{FF2B5EF4-FFF2-40B4-BE49-F238E27FC236}">
+                <a16:creationId xmlns:a16="http://schemas.microsoft.com/office/drawing/2014/main" id="{BB215FD0-3D5D-41FB-A7FB-501930315C93}"/>
+              </a:ext>
+            </a:extLst>
+          </p:cNvPr>
+          <p:cNvSpPr txBox="1"/>
+          <p:nvPr/>
+        </p:nvSpPr>
+        <p:spPr>
+          <a:xfrm>
+            <a:off x="5833635" y="1633147"/>
+            <a:ext cx="5279009" cy="1077218"/>
+          </a:xfrm>
+          <a:prstGeom prst="rect">
+            <a:avLst/>
+          </a:prstGeom>
+        </p:spPr>
+        <p:style>
+          <a:lnRef idx="2">
+            <a:schemeClr val="dk1"/>
+          </a:lnRef>
+          <a:fillRef idx="1">
+            <a:schemeClr val="lt1"/>
+          </a:fillRef>
+          <a:effectRef idx="0">
+            <a:schemeClr val="dk1"/>
+          </a:effectRef>
+          <a:fontRef idx="minor">
+            <a:schemeClr val="dk1"/>
+          </a:fontRef>
+        </p:style>
+        <p:txBody>
+          <a:bodyPr wrap="none" rtlCol="0">
+            <a:spAutoFit/>
+          </a:bodyPr>
+          <a:lstStyle/>
+          <a:p>
+            <a:r>
+              <a:rPr lang="es-ES" sz="1600" dirty="0" err="1"/>
+              <a:t>if</a:t>
+            </a:r>
+            <a:r>
+              <a:rPr lang="es-ES" sz="1600" dirty="0"/>
+              <a:t> (edad &gt;= 18)  </a:t>
+            </a:r>
+            <a:r>
+              <a:rPr lang="es-ES" sz="1600" dirty="0" err="1"/>
+              <a:t>System.out.println</a:t>
+            </a:r>
+            <a:r>
+              <a:rPr lang="es-ES" sz="1600" dirty="0"/>
+              <a:t>(“Es mayor de edad”);</a:t>
+            </a:r>
+          </a:p>
+          <a:p>
+            <a:r>
+              <a:rPr lang="es-ES" sz="1600" dirty="0" err="1"/>
+              <a:t>else</a:t>
+            </a:r>
+            <a:r>
+              <a:rPr lang="es-ES" sz="1600" dirty="0"/>
+              <a:t> </a:t>
+            </a:r>
+            <a:r>
+              <a:rPr lang="es-ES" sz="1600" dirty="0" err="1"/>
+              <a:t>System.out.println</a:t>
+            </a:r>
+            <a:r>
+              <a:rPr lang="es-ES" sz="1600" dirty="0"/>
+              <a:t>(“Es menor de edad”);</a:t>
+            </a:r>
+          </a:p>
+          <a:p>
+            <a:endParaRPr lang="es-CO" sz="1600" dirty="0"/>
+          </a:p>
+          <a:p>
+            <a:r>
+              <a:rPr lang="es-CO" sz="1600" dirty="0">
+                <a:solidFill>
+                  <a:srgbClr val="FF0000"/>
+                </a:solidFill>
+              </a:rPr>
+              <a:t>La siguiente instrucción por fuera el </a:t>
+            </a:r>
+            <a:r>
+              <a:rPr lang="es-CO" sz="1600" dirty="0" err="1">
+                <a:solidFill>
+                  <a:srgbClr val="FF0000"/>
+                </a:solidFill>
+              </a:rPr>
+              <a:t>if</a:t>
+            </a:r>
+            <a:endParaRPr lang="es-CO" sz="1600" dirty="0">
+              <a:solidFill>
+                <a:srgbClr val="FF0000"/>
+              </a:solidFill>
+            </a:endParaRPr>
+          </a:p>
+        </p:txBody>
+      </p:sp>
+      <p:sp>
+        <p:nvSpPr>
+          <p:cNvPr id="8" name="Flecha: hacia abajo 7">
+            <a:extLst>
+              <a:ext uri="{FF2B5EF4-FFF2-40B4-BE49-F238E27FC236}">
+                <a16:creationId xmlns:a16="http://schemas.microsoft.com/office/drawing/2014/main" id="{938468C9-DFEE-4050-8960-2C9020B9F999}"/>
+              </a:ext>
+            </a:extLst>
+          </p:cNvPr>
+          <p:cNvSpPr/>
+          <p:nvPr/>
+        </p:nvSpPr>
+        <p:spPr>
+          <a:xfrm rot="17855300">
+            <a:off x="4657462" y="1959268"/>
+            <a:ext cx="265741" cy="1702934"/>
+          </a:xfrm>
+          <a:prstGeom prst="downArrow">
+            <a:avLst/>
+          </a:prstGeom>
+        </p:spPr>
+        <p:style>
+          <a:lnRef idx="2">
+            <a:schemeClr val="accent1">
+              <a:shade val="50000"/>
+            </a:schemeClr>
+          </a:lnRef>
+          <a:fillRef idx="1">
+            <a:schemeClr val="accent1"/>
+          </a:fillRef>
+          <a:effectRef idx="0">
+            <a:schemeClr val="accent1"/>
+          </a:effectRef>
+          <a:fontRef idx="minor">
+            <a:schemeClr val="lt1"/>
+          </a:fontRef>
+        </p:style>
+        <p:txBody>
+          <a:bodyPr rtlCol="0" anchor="ctr"/>
+          <a:lstStyle/>
+          <a:p>
+            <a:pPr algn="ctr"/>
+            <a:endParaRPr lang="es-CO"/>
+          </a:p>
+        </p:txBody>
+      </p:sp>
+      <p:sp>
+        <p:nvSpPr>
+          <p:cNvPr id="9" name="Flecha: hacia abajo 8">
+            <a:extLst>
+              <a:ext uri="{FF2B5EF4-FFF2-40B4-BE49-F238E27FC236}">
+                <a16:creationId xmlns:a16="http://schemas.microsoft.com/office/drawing/2014/main" id="{3E8DEA80-B1B3-47A7-8727-19BE65FB4299}"/>
+              </a:ext>
+            </a:extLst>
+          </p:cNvPr>
+          <p:cNvSpPr/>
+          <p:nvPr/>
+        </p:nvSpPr>
+        <p:spPr>
+          <a:xfrm rot="16200000">
+            <a:off x="4629488" y="1635767"/>
+            <a:ext cx="272568" cy="1541466"/>
+          </a:xfrm>
+          <a:prstGeom prst="downArrow">
+            <a:avLst/>
+          </a:prstGeom>
+        </p:spPr>
+        <p:style>
+          <a:lnRef idx="2">
+            <a:schemeClr val="accent1">
+              <a:shade val="50000"/>
+            </a:schemeClr>
+          </a:lnRef>
+          <a:fillRef idx="1">
+            <a:schemeClr val="accent1"/>
+          </a:fillRef>
+          <a:effectRef idx="0">
+            <a:schemeClr val="accent1"/>
+          </a:effectRef>
+          <a:fontRef idx="minor">
+            <a:schemeClr val="lt1"/>
+          </a:fontRef>
+        </p:style>
+        <p:txBody>
+          <a:bodyPr rtlCol="0" anchor="ctr"/>
+          <a:lstStyle/>
+          <a:p>
+            <a:pPr algn="ctr"/>
+            <a:endParaRPr lang="es-CO"/>
+          </a:p>
+        </p:txBody>
+      </p:sp>
+      <p:sp>
+        <p:nvSpPr>
+          <p:cNvPr id="10" name="CuadroTexto 9">
+            <a:extLst>
+              <a:ext uri="{FF2B5EF4-FFF2-40B4-BE49-F238E27FC236}">
+                <a16:creationId xmlns:a16="http://schemas.microsoft.com/office/drawing/2014/main" id="{6137B1B0-BE94-4902-BE3E-38C60ECA7B99}"/>
+              </a:ext>
+            </a:extLst>
+          </p:cNvPr>
+          <p:cNvSpPr txBox="1"/>
+          <p:nvPr/>
+        </p:nvSpPr>
+        <p:spPr>
+          <a:xfrm>
+            <a:off x="5833635" y="4637382"/>
+            <a:ext cx="5158785" cy="2800767"/>
+          </a:xfrm>
+          <a:prstGeom prst="rect">
+            <a:avLst/>
+          </a:prstGeom>
+        </p:spPr>
+        <p:style>
+          <a:lnRef idx="2">
+            <a:schemeClr val="dk1"/>
+          </a:lnRef>
+          <a:fillRef idx="1">
+            <a:schemeClr val="lt1"/>
+          </a:fillRef>
+          <a:effectRef idx="0">
+            <a:schemeClr val="dk1"/>
+          </a:effectRef>
+          <a:fontRef idx="minor">
+            <a:schemeClr val="dk1"/>
+          </a:fontRef>
+        </p:style>
+        <p:txBody>
+          <a:bodyPr wrap="square" rtlCol="0">
+            <a:spAutoFit/>
+          </a:bodyPr>
+          <a:lstStyle/>
+          <a:p>
+            <a:r>
+              <a:rPr lang="es-ES" sz="1600" dirty="0" err="1"/>
+              <a:t>if</a:t>
+            </a:r>
+            <a:r>
+              <a:rPr lang="es-ES" sz="1600" dirty="0"/>
+              <a:t> (edad &gt;= 18)</a:t>
+            </a:r>
+            <a:r>
+              <a:rPr lang="es-ES" sz="2000" dirty="0"/>
+              <a:t> </a:t>
+            </a:r>
+            <a:r>
+              <a:rPr lang="es-ES" sz="2000" b="1" dirty="0">
+                <a:solidFill>
+                  <a:srgbClr val="00B0F0"/>
+                </a:solidFill>
+              </a:rPr>
+              <a:t>{</a:t>
+            </a:r>
+          </a:p>
+          <a:p>
+            <a:r>
+              <a:rPr lang="es-ES" sz="1600" dirty="0"/>
+              <a:t>   </a:t>
+            </a:r>
+            <a:r>
+              <a:rPr lang="es-ES" sz="1600" dirty="0" err="1"/>
+              <a:t>mayor_edad</a:t>
+            </a:r>
+            <a:r>
+              <a:rPr lang="es-ES" sz="1600" dirty="0"/>
+              <a:t> = true;</a:t>
+            </a:r>
+          </a:p>
+          <a:p>
+            <a:r>
+              <a:rPr lang="es-ES" sz="1600" dirty="0"/>
+              <a:t>   puede votar = true;</a:t>
+            </a:r>
+          </a:p>
+          <a:p>
+            <a:r>
+              <a:rPr lang="es-ES" sz="2000" b="1" dirty="0">
+                <a:solidFill>
+                  <a:srgbClr val="00B0F0"/>
+                </a:solidFill>
+              </a:rPr>
+              <a:t>}</a:t>
+            </a:r>
+            <a:r>
+              <a:rPr lang="es-ES" sz="1600" dirty="0"/>
+              <a:t>	</a:t>
+            </a:r>
+          </a:p>
+          <a:p>
+            <a:r>
+              <a:rPr lang="es-ES" sz="1600" dirty="0" err="1"/>
+              <a:t>else</a:t>
+            </a:r>
+            <a:r>
+              <a:rPr lang="es-ES" sz="1600" dirty="0"/>
+              <a:t> </a:t>
+            </a:r>
+            <a:r>
+              <a:rPr lang="es-ES" sz="2000" b="1" dirty="0">
+                <a:solidFill>
+                  <a:srgbClr val="00B0F0"/>
+                </a:solidFill>
+              </a:rPr>
+              <a:t>{</a:t>
+            </a:r>
+            <a:endParaRPr lang="es-ES" sz="1600" b="1" dirty="0">
+              <a:solidFill>
+                <a:srgbClr val="00B0F0"/>
+              </a:solidFill>
+            </a:endParaRPr>
+          </a:p>
+          <a:p>
+            <a:r>
+              <a:rPr lang="es-ES" sz="1600" dirty="0"/>
+              <a:t>   </a:t>
+            </a:r>
+            <a:r>
+              <a:rPr lang="es-ES" sz="1600" dirty="0" err="1"/>
+              <a:t>mayor_edad</a:t>
+            </a:r>
+            <a:r>
+              <a:rPr lang="es-ES" sz="1600" dirty="0"/>
+              <a:t> = false;</a:t>
+            </a:r>
+          </a:p>
+          <a:p>
+            <a:r>
+              <a:rPr lang="es-ES" sz="1600" dirty="0"/>
+              <a:t>   puede votar = false;</a:t>
+            </a:r>
+          </a:p>
+          <a:p>
+            <a:r>
+              <a:rPr lang="es-ES" sz="2000" b="1" dirty="0">
+                <a:solidFill>
+                  <a:srgbClr val="00B0F0"/>
+                </a:solidFill>
+              </a:rPr>
+              <a:t>}</a:t>
+            </a:r>
+            <a:endParaRPr lang="es-ES" sz="2400" b="1" dirty="0">
+              <a:solidFill>
+                <a:srgbClr val="00B0F0"/>
+              </a:solidFill>
+            </a:endParaRPr>
+          </a:p>
+          <a:p>
+            <a:endParaRPr lang="es-CO" sz="1600" dirty="0"/>
+          </a:p>
+          <a:p>
+            <a:r>
+              <a:rPr lang="es-CO" sz="1600" dirty="0">
+                <a:solidFill>
+                  <a:srgbClr val="FF0000"/>
+                </a:solidFill>
+              </a:rPr>
+              <a:t>La siguiente instrucción por fuera el </a:t>
+            </a:r>
+            <a:r>
+              <a:rPr lang="es-CO" sz="1600" dirty="0" err="1">
+                <a:solidFill>
+                  <a:srgbClr val="FF0000"/>
+                </a:solidFill>
+              </a:rPr>
+              <a:t>if</a:t>
+            </a:r>
+            <a:endParaRPr lang="es-CO" sz="1600" dirty="0">
+              <a:solidFill>
+                <a:srgbClr val="FF0000"/>
+              </a:solidFill>
+            </a:endParaRPr>
+          </a:p>
+        </p:txBody>
+      </p:sp>
+      <p:sp>
+        <p:nvSpPr>
+          <p:cNvPr id="11" name="CuadroTexto 10">
+            <a:extLst>
+              <a:ext uri="{FF2B5EF4-FFF2-40B4-BE49-F238E27FC236}">
+                <a16:creationId xmlns:a16="http://schemas.microsoft.com/office/drawing/2014/main" id="{64BBAB77-5F9D-4C45-A3CB-803A494ACA38}"/>
+              </a:ext>
+            </a:extLst>
+          </p:cNvPr>
+          <p:cNvSpPr txBox="1"/>
+          <p:nvPr/>
+        </p:nvSpPr>
+        <p:spPr>
+          <a:xfrm>
+            <a:off x="10992420" y="2097623"/>
+            <a:ext cx="2072227" cy="738664"/>
+          </a:xfrm>
+          <a:prstGeom prst="rect">
+            <a:avLst/>
+          </a:prstGeom>
+          <a:noFill/>
+        </p:spPr>
+        <p:txBody>
+          <a:bodyPr wrap="square" rtlCol="0">
+            <a:spAutoFit/>
+          </a:bodyPr>
+          <a:lstStyle/>
+          <a:p>
+            <a:r>
+              <a:rPr lang="es-ES" b="1" dirty="0">
+                <a:solidFill>
+                  <a:schemeClr val="accent5"/>
+                </a:solidFill>
+              </a:rPr>
+              <a:t>Una instrucción</a:t>
+            </a:r>
+          </a:p>
+          <a:p>
+            <a:r>
+              <a:rPr lang="es-ES" b="1" dirty="0">
+                <a:solidFill>
+                  <a:schemeClr val="accent5"/>
+                </a:solidFill>
+              </a:rPr>
+              <a:t>Misma línea </a:t>
+            </a:r>
+          </a:p>
+          <a:p>
+            <a:r>
+              <a:rPr lang="es-ES" b="1" dirty="0">
+                <a:solidFill>
+                  <a:schemeClr val="accent5"/>
+                </a:solidFill>
+              </a:rPr>
+              <a:t>No marcar bloque</a:t>
+            </a:r>
+            <a:endParaRPr lang="es-CO" b="1" dirty="0">
+              <a:solidFill>
+                <a:schemeClr val="accent5"/>
+              </a:solidFill>
+            </a:endParaRPr>
+          </a:p>
+        </p:txBody>
+      </p:sp>
+      <p:sp>
+        <p:nvSpPr>
+          <p:cNvPr id="12" name="CuadroTexto 11">
+            <a:extLst>
+              <a:ext uri="{FF2B5EF4-FFF2-40B4-BE49-F238E27FC236}">
+                <a16:creationId xmlns:a16="http://schemas.microsoft.com/office/drawing/2014/main" id="{66A1DE32-CFB7-4840-AD7D-0D0316DF2012}"/>
+              </a:ext>
+            </a:extLst>
+          </p:cNvPr>
+          <p:cNvSpPr txBox="1"/>
+          <p:nvPr/>
+        </p:nvSpPr>
+        <p:spPr>
+          <a:xfrm>
+            <a:off x="10992420" y="3389953"/>
+            <a:ext cx="2072227" cy="738664"/>
+          </a:xfrm>
+          <a:prstGeom prst="rect">
+            <a:avLst/>
+          </a:prstGeom>
+          <a:noFill/>
+        </p:spPr>
+        <p:txBody>
+          <a:bodyPr wrap="square" rtlCol="0">
+            <a:spAutoFit/>
+          </a:bodyPr>
+          <a:lstStyle/>
+          <a:p>
+            <a:r>
+              <a:rPr lang="es-ES" b="1" dirty="0">
+                <a:solidFill>
+                  <a:schemeClr val="accent5"/>
+                </a:solidFill>
+              </a:rPr>
+              <a:t>Una instrucción</a:t>
+            </a:r>
+          </a:p>
+          <a:p>
+            <a:r>
+              <a:rPr lang="es-ES" b="1" dirty="0">
+                <a:solidFill>
+                  <a:schemeClr val="accent5"/>
+                </a:solidFill>
+              </a:rPr>
+              <a:t>Diferente línea</a:t>
+            </a:r>
+          </a:p>
+          <a:p>
+            <a:r>
+              <a:rPr lang="es-ES" b="1" dirty="0">
+                <a:solidFill>
+                  <a:schemeClr val="accent5"/>
+                </a:solidFill>
+              </a:rPr>
+              <a:t>No marca bloque</a:t>
+            </a:r>
+            <a:endParaRPr lang="es-CO" b="1" dirty="0">
+              <a:solidFill>
+                <a:schemeClr val="accent5"/>
+              </a:solidFill>
+            </a:endParaRPr>
+          </a:p>
+        </p:txBody>
+      </p:sp>
+      <p:sp>
+        <p:nvSpPr>
+          <p:cNvPr id="13" name="CuadroTexto 12">
+            <a:extLst>
+              <a:ext uri="{FF2B5EF4-FFF2-40B4-BE49-F238E27FC236}">
+                <a16:creationId xmlns:a16="http://schemas.microsoft.com/office/drawing/2014/main" id="{1B5662B2-7329-4F8B-9C01-956B5F830158}"/>
+              </a:ext>
+            </a:extLst>
+          </p:cNvPr>
+          <p:cNvSpPr txBox="1"/>
+          <p:nvPr/>
+        </p:nvSpPr>
+        <p:spPr>
+          <a:xfrm>
+            <a:off x="10992420" y="5268323"/>
+            <a:ext cx="2072227" cy="738664"/>
+          </a:xfrm>
+          <a:prstGeom prst="rect">
+            <a:avLst/>
+          </a:prstGeom>
+          <a:noFill/>
+        </p:spPr>
+        <p:txBody>
+          <a:bodyPr wrap="square" rtlCol="0">
+            <a:spAutoFit/>
+          </a:bodyPr>
+          <a:lstStyle/>
+          <a:p>
+            <a:r>
+              <a:rPr lang="es-ES" b="1" dirty="0">
+                <a:solidFill>
+                  <a:schemeClr val="accent5"/>
+                </a:solidFill>
+              </a:rPr>
+              <a:t>Varias instrucciones Varias líneas </a:t>
+            </a:r>
+          </a:p>
+          <a:p>
+            <a:r>
+              <a:rPr lang="es-ES" b="1" dirty="0">
+                <a:solidFill>
+                  <a:schemeClr val="accent5"/>
+                </a:solidFill>
+              </a:rPr>
+              <a:t>Marca Bloque</a:t>
+            </a:r>
+            <a:endParaRPr lang="es-CO" b="1" dirty="0">
+              <a:solidFill>
+                <a:schemeClr val="accent5"/>
+              </a:solidFill>
+            </a:endParaRPr>
+          </a:p>
+        </p:txBody>
+      </p:sp>
+    </p:spTree>
+    <p:extLst>
+      <p:ext uri="{BB962C8B-B14F-4D97-AF65-F5344CB8AC3E}">
+        <p14:creationId xmlns:p14="http://schemas.microsoft.com/office/powerpoint/2010/main" val="1382020882"/>
+      </p:ext>
+    </p:extLst>
+  </p:cSld>
+  <p:clrMapOvr>
+    <a:masterClrMapping/>
+  </p:clrMapOvr>
+</p:sld>
+</file>
+
+<file path=ppt/slides/slide9.xml><?xml version="1.0" encoding="utf-8"?>
 <p:sld xmlns:a="http://schemas.openxmlformats.org/drawingml/2006/main" xmlns:r="http://schemas.openxmlformats.org/officeDocument/2006/relationships" xmlns:p="http://schemas.openxmlformats.org/presentationml/2006/main">
   <p:cSld>
     <p:spTree>
@@ -27823,490 +30662,6 @@
 </p:sld>
 </file>
 
-<file path=ppt/slides/slide8.xml><?xml version="1.0" encoding="utf-8"?>
-<p:sld xmlns:a="http://schemas.openxmlformats.org/drawingml/2006/main" xmlns:r="http://schemas.openxmlformats.org/officeDocument/2006/relationships" xmlns:p="http://schemas.openxmlformats.org/presentationml/2006/main">
-  <p:cSld>
-    <p:spTree>
-      <p:nvGrpSpPr>
-        <p:cNvPr id="1" name=""/>
-        <p:cNvGrpSpPr/>
-        <p:nvPr/>
-      </p:nvGrpSpPr>
-      <p:grpSpPr>
-        <a:xfrm>
-          <a:off x="0" y="0"/>
-          <a:ext cx="0" cy="0"/>
-          <a:chOff x="0" y="0"/>
-          <a:chExt cx="0" cy="0"/>
-        </a:xfrm>
-      </p:grpSpPr>
-      <p:sp>
-        <p:nvSpPr>
-          <p:cNvPr id="2" name="Título 1"/>
-          <p:cNvSpPr>
-            <a:spLocks noGrp="1"/>
-          </p:cNvSpPr>
-          <p:nvPr>
-            <p:ph type="title"/>
-          </p:nvPr>
-        </p:nvSpPr>
-        <p:spPr/>
-        <p:txBody>
-          <a:bodyPr/>
-          <a:lstStyle/>
-          <a:p>
-            <a:r>
-              <a:rPr lang="es-ES" dirty="0"/>
-              <a:t>Ejemplo 2</a:t>
-            </a:r>
-            <a:endParaRPr lang="es-CO" dirty="0"/>
-          </a:p>
-        </p:txBody>
-      </p:sp>
-      <p:sp>
-        <p:nvSpPr>
-          <p:cNvPr id="5" name="Marcador de texto 4"/>
-          <p:cNvSpPr>
-            <a:spLocks noGrp="1"/>
-          </p:cNvSpPr>
-          <p:nvPr>
-            <p:ph type="body" idx="1"/>
-          </p:nvPr>
-        </p:nvSpPr>
-        <p:spPr>
-          <a:xfrm>
-            <a:off x="4245033" y="3591836"/>
-            <a:ext cx="5872480" cy="1611932"/>
-          </a:xfrm>
-          <a:ln>
-            <a:solidFill>
-              <a:schemeClr val="accent2"/>
-            </a:solidFill>
-          </a:ln>
-        </p:spPr>
-        <p:txBody>
-          <a:bodyPr/>
-          <a:lstStyle/>
-          <a:p>
-            <a:pPr marL="27115" indent="0">
-              <a:buNone/>
-            </a:pPr>
-            <a:r>
-              <a:rPr lang="es-ES" sz="2000" dirty="0"/>
-              <a:t>Si (</a:t>
-            </a:r>
-            <a:r>
-              <a:rPr lang="es-ES" sz="2000" dirty="0" err="1"/>
-              <a:t>Nro_Habitantes</a:t>
-            </a:r>
-            <a:r>
-              <a:rPr lang="es-ES" sz="2000" dirty="0"/>
-              <a:t> &gt; 100000)</a:t>
-            </a:r>
-          </a:p>
-          <a:p>
-            <a:pPr marL="27115" indent="0">
-              <a:buNone/>
-            </a:pPr>
-            <a:r>
-              <a:rPr lang="es-ES" sz="2000" dirty="0"/>
-              <a:t>	Escriba “Obtiene partida de 500.000.000”</a:t>
-            </a:r>
-          </a:p>
-          <a:p>
-            <a:pPr marL="27115" indent="0">
-              <a:buNone/>
-            </a:pPr>
-            <a:r>
-              <a:rPr lang="es-ES" sz="2000" dirty="0"/>
-              <a:t>Fin Si</a:t>
-            </a:r>
-            <a:endParaRPr lang="es-CO" sz="2000" dirty="0"/>
-          </a:p>
-        </p:txBody>
-      </p:sp>
-      <p:sp>
-        <p:nvSpPr>
-          <p:cNvPr id="3" name="CuadroTexto 2"/>
-          <p:cNvSpPr txBox="1"/>
-          <p:nvPr/>
-        </p:nvSpPr>
-        <p:spPr>
-          <a:xfrm>
-            <a:off x="681644" y="1733234"/>
-            <a:ext cx="11321935" cy="1477328"/>
-          </a:xfrm>
-          <a:prstGeom prst="rect">
-            <a:avLst/>
-          </a:prstGeom>
-          <a:noFill/>
-        </p:spPr>
-        <p:txBody>
-          <a:bodyPr wrap="square" rtlCol="0">
-            <a:spAutoFit/>
-          </a:bodyPr>
-          <a:lstStyle/>
-          <a:p>
-            <a:pPr>
-              <a:lnSpc>
-                <a:spcPct val="150000"/>
-              </a:lnSpc>
-            </a:pPr>
-            <a:r>
-              <a:rPr lang="es-ES" sz="2000" dirty="0"/>
-              <a:t>En un país se otorgará a las ciudades que tengan más de 100.000 habitantes, unas partidas para emergencias de 500.000.000. Diseñe la estructura condicional para implementar este caso en un algoritmo:</a:t>
-            </a:r>
-            <a:endParaRPr lang="es-CO" sz="2000" dirty="0"/>
-          </a:p>
-        </p:txBody>
-      </p:sp>
-    </p:spTree>
-    <p:extLst>
-      <p:ext uri="{BB962C8B-B14F-4D97-AF65-F5344CB8AC3E}">
-        <p14:creationId xmlns:p14="http://schemas.microsoft.com/office/powerpoint/2010/main" val="1001503665"/>
-      </p:ext>
-    </p:extLst>
-  </p:cSld>
-  <p:clrMapOvr>
-    <a:masterClrMapping/>
-  </p:clrMapOvr>
-  <p:timing>
-    <p:tnLst>
-      <p:par>
-        <p:cTn id="1" dur="indefinite" restart="never" nodeType="tmRoot">
-          <p:childTnLst>
-            <p:seq concurrent="1" nextAc="seek">
-              <p:cTn id="2" dur="indefinite" nodeType="mainSeq">
-                <p:childTnLst>
-                  <p:par>
-                    <p:cTn id="3" fill="hold">
-                      <p:stCondLst>
-                        <p:cond delay="indefinite"/>
-                      </p:stCondLst>
-                      <p:childTnLst>
-                        <p:par>
-                          <p:cTn id="4" fill="hold">
-                            <p:stCondLst>
-                              <p:cond delay="0"/>
-                            </p:stCondLst>
-                            <p:childTnLst>
-                              <p:par>
-                                <p:cTn id="5" presetID="1" presetClass="entr" presetSubtype="0" fill="hold" grpId="0" nodeType="clickEffect">
-                                  <p:stCondLst>
-                                    <p:cond delay="0"/>
-                                  </p:stCondLst>
-                                  <p:childTnLst>
-                                    <p:set>
-                                      <p:cBhvr>
-                                        <p:cTn id="6" dur="1" fill="hold">
-                                          <p:stCondLst>
-                                            <p:cond delay="0"/>
-                                          </p:stCondLst>
-                                        </p:cTn>
-                                        <p:tgtEl>
-                                          <p:spTgt spid="5">
-                                            <p:bg/>
-                                          </p:spTgt>
-                                        </p:tgtEl>
-                                        <p:attrNameLst>
-                                          <p:attrName>style.visibility</p:attrName>
-                                        </p:attrNameLst>
-                                      </p:cBhvr>
-                                      <p:to>
-                                        <p:strVal val="visible"/>
-                                      </p:to>
-                                    </p:set>
-                                  </p:childTnLst>
-                                </p:cTn>
-                              </p:par>
-                            </p:childTnLst>
-                          </p:cTn>
-                        </p:par>
-                      </p:childTnLst>
-                    </p:cTn>
-                  </p:par>
-                  <p:par>
-                    <p:cTn id="7" fill="hold">
-                      <p:stCondLst>
-                        <p:cond delay="indefinite"/>
-                      </p:stCondLst>
-                      <p:childTnLst>
-                        <p:par>
-                          <p:cTn id="8" fill="hold">
-                            <p:stCondLst>
-                              <p:cond delay="0"/>
-                            </p:stCondLst>
-                            <p:childTnLst>
-                              <p:par>
-                                <p:cTn id="9" presetID="1" presetClass="entr" presetSubtype="0" fill="hold" grpId="0" nodeType="clickEffect">
-                                  <p:stCondLst>
-                                    <p:cond delay="0"/>
-                                  </p:stCondLst>
-                                  <p:childTnLst>
-                                    <p:set>
-                                      <p:cBhvr>
-                                        <p:cTn id="10" dur="1" fill="hold">
-                                          <p:stCondLst>
-                                            <p:cond delay="0"/>
-                                          </p:stCondLst>
-                                        </p:cTn>
-                                        <p:tgtEl>
-                                          <p:spTgt spid="5">
-                                            <p:txEl>
-                                              <p:pRg st="0" end="0"/>
-                                            </p:txEl>
-                                          </p:spTgt>
-                                        </p:tgtEl>
-                                        <p:attrNameLst>
-                                          <p:attrName>style.visibility</p:attrName>
-                                        </p:attrNameLst>
-                                      </p:cBhvr>
-                                      <p:to>
-                                        <p:strVal val="visible"/>
-                                      </p:to>
-                                    </p:set>
-                                  </p:childTnLst>
-                                </p:cTn>
-                              </p:par>
-                            </p:childTnLst>
-                          </p:cTn>
-                        </p:par>
-                      </p:childTnLst>
-                    </p:cTn>
-                  </p:par>
-                  <p:par>
-                    <p:cTn id="11" fill="hold">
-                      <p:stCondLst>
-                        <p:cond delay="indefinite"/>
-                      </p:stCondLst>
-                      <p:childTnLst>
-                        <p:par>
-                          <p:cTn id="12" fill="hold">
-                            <p:stCondLst>
-                              <p:cond delay="0"/>
-                            </p:stCondLst>
-                            <p:childTnLst>
-                              <p:par>
-                                <p:cTn id="13" presetID="1" presetClass="entr" presetSubtype="0" fill="hold" grpId="0" nodeType="clickEffect">
-                                  <p:stCondLst>
-                                    <p:cond delay="0"/>
-                                  </p:stCondLst>
-                                  <p:childTnLst>
-                                    <p:set>
-                                      <p:cBhvr>
-                                        <p:cTn id="14" dur="1" fill="hold">
-                                          <p:stCondLst>
-                                            <p:cond delay="0"/>
-                                          </p:stCondLst>
-                                        </p:cTn>
-                                        <p:tgtEl>
-                                          <p:spTgt spid="5">
-                                            <p:txEl>
-                                              <p:pRg st="1" end="1"/>
-                                            </p:txEl>
-                                          </p:spTgt>
-                                        </p:tgtEl>
-                                        <p:attrNameLst>
-                                          <p:attrName>style.visibility</p:attrName>
-                                        </p:attrNameLst>
-                                      </p:cBhvr>
-                                      <p:to>
-                                        <p:strVal val="visible"/>
-                                      </p:to>
-                                    </p:set>
-                                  </p:childTnLst>
-                                </p:cTn>
-                              </p:par>
-                            </p:childTnLst>
-                          </p:cTn>
-                        </p:par>
-                      </p:childTnLst>
-                    </p:cTn>
-                  </p:par>
-                  <p:par>
-                    <p:cTn id="15" fill="hold">
-                      <p:stCondLst>
-                        <p:cond delay="indefinite"/>
-                      </p:stCondLst>
-                      <p:childTnLst>
-                        <p:par>
-                          <p:cTn id="16" fill="hold">
-                            <p:stCondLst>
-                              <p:cond delay="0"/>
-                            </p:stCondLst>
-                            <p:childTnLst>
-                              <p:par>
-                                <p:cTn id="17" presetID="1" presetClass="entr" presetSubtype="0" fill="hold" grpId="0" nodeType="clickEffect">
-                                  <p:stCondLst>
-                                    <p:cond delay="0"/>
-                                  </p:stCondLst>
-                                  <p:childTnLst>
-                                    <p:set>
-                                      <p:cBhvr>
-                                        <p:cTn id="18" dur="1" fill="hold">
-                                          <p:stCondLst>
-                                            <p:cond delay="0"/>
-                                          </p:stCondLst>
-                                        </p:cTn>
-                                        <p:tgtEl>
-                                          <p:spTgt spid="5">
-                                            <p:txEl>
-                                              <p:pRg st="2" end="2"/>
-                                            </p:txEl>
-                                          </p:spTgt>
-                                        </p:tgtEl>
-                                        <p:attrNameLst>
-                                          <p:attrName>style.visibility</p:attrName>
-                                        </p:attrNameLst>
-                                      </p:cBhvr>
-                                      <p:to>
-                                        <p:strVal val="visible"/>
-                                      </p:to>
-                                    </p:set>
-                                  </p:childTnLst>
-                                </p:cTn>
-                              </p:par>
-                            </p:childTnLst>
-                          </p:cTn>
-                        </p:par>
-                      </p:childTnLst>
-                    </p:cTn>
-                  </p:par>
-                </p:childTnLst>
-              </p:cTn>
-              <p:prevCondLst>
-                <p:cond evt="onPrev" delay="0">
-                  <p:tgtEl>
-                    <p:sldTgt/>
-                  </p:tgtEl>
-                </p:cond>
-              </p:prevCondLst>
-              <p:nextCondLst>
-                <p:cond evt="onNext" delay="0">
-                  <p:tgtEl>
-                    <p:sldTgt/>
-                  </p:tgtEl>
-                </p:cond>
-              </p:nextCondLst>
-            </p:seq>
-          </p:childTnLst>
-        </p:cTn>
-      </p:par>
-    </p:tnLst>
-    <p:bldLst>
-      <p:bldP spid="5" grpId="0" build="p" animBg="1"/>
-    </p:bldLst>
-  </p:timing>
-</p:sld>
-</file>
-
-<file path=ppt/slides/slide9.xml><?xml version="1.0" encoding="utf-8"?>
-<p:sld xmlns:a="http://schemas.openxmlformats.org/drawingml/2006/main" xmlns:r="http://schemas.openxmlformats.org/officeDocument/2006/relationships" xmlns:p="http://schemas.openxmlformats.org/presentationml/2006/main">
-  <p:cSld>
-    <p:spTree>
-      <p:nvGrpSpPr>
-        <p:cNvPr id="1" name=""/>
-        <p:cNvGrpSpPr/>
-        <p:nvPr/>
-      </p:nvGrpSpPr>
-      <p:grpSpPr>
-        <a:xfrm>
-          <a:off x="0" y="0"/>
-          <a:ext cx="0" cy="0"/>
-          <a:chOff x="0" y="0"/>
-          <a:chExt cx="0" cy="0"/>
-        </a:xfrm>
-      </p:grpSpPr>
-      <p:sp>
-        <p:nvSpPr>
-          <p:cNvPr id="2" name="Título 1"/>
-          <p:cNvSpPr>
-            <a:spLocks noGrp="1"/>
-          </p:cNvSpPr>
-          <p:nvPr>
-            <p:ph type="title"/>
-          </p:nvPr>
-        </p:nvSpPr>
-        <p:spPr/>
-        <p:txBody>
-          <a:bodyPr/>
-          <a:lstStyle/>
-          <a:p>
-            <a:r>
-              <a:rPr lang="es-ES" sz="4950" dirty="0"/>
-              <a:t>Ejemplo 3</a:t>
-            </a:r>
-            <a:endParaRPr lang="es-CO" dirty="0"/>
-          </a:p>
-        </p:txBody>
-      </p:sp>
-      <p:sp>
-        <p:nvSpPr>
-          <p:cNvPr id="3" name="CuadroTexto 2"/>
-          <p:cNvSpPr txBox="1"/>
-          <p:nvPr/>
-        </p:nvSpPr>
-        <p:spPr>
-          <a:xfrm>
-            <a:off x="681644" y="1733234"/>
-            <a:ext cx="11321935" cy="1938992"/>
-          </a:xfrm>
-          <a:prstGeom prst="rect">
-            <a:avLst/>
-          </a:prstGeom>
-          <a:noFill/>
-        </p:spPr>
-        <p:txBody>
-          <a:bodyPr wrap="square" rtlCol="0">
-            <a:spAutoFit/>
-          </a:bodyPr>
-          <a:lstStyle/>
-          <a:p>
-            <a:pPr>
-              <a:lnSpc>
-                <a:spcPct val="150000"/>
-              </a:lnSpc>
-            </a:pPr>
-            <a:r>
-              <a:rPr lang="es-ES" sz="2000" dirty="0"/>
-              <a:t>En un país se otorgará a las ciudades que tengan más de 100.000 habitantes y un área superior a 20.000Kms</a:t>
-            </a:r>
-            <a:r>
-              <a:rPr lang="es-ES" sz="2000" baseline="30000" dirty="0"/>
-              <a:t>2</a:t>
-            </a:r>
-            <a:r>
-              <a:rPr lang="es-ES" sz="2000" dirty="0"/>
-              <a:t>, una partida para emergencias de 500.000.000. De lo contrario la partida será de 250.000.000</a:t>
-            </a:r>
-          </a:p>
-          <a:p>
-            <a:pPr>
-              <a:lnSpc>
-                <a:spcPct val="150000"/>
-              </a:lnSpc>
-            </a:pPr>
-            <a:r>
-              <a:rPr lang="es-ES" sz="2000" dirty="0"/>
-              <a:t>Diseñe la estructura condicional para implementar este caso en un algoritmo:</a:t>
-            </a:r>
-            <a:endParaRPr lang="es-CO" sz="2000" dirty="0"/>
-          </a:p>
-        </p:txBody>
-      </p:sp>
-    </p:spTree>
-    <p:extLst>
-      <p:ext uri="{BB962C8B-B14F-4D97-AF65-F5344CB8AC3E}">
-        <p14:creationId xmlns:p14="http://schemas.microsoft.com/office/powerpoint/2010/main" val="2375052096"/>
-      </p:ext>
-    </p:extLst>
-  </p:cSld>
-  <p:clrMapOvr>
-    <a:masterClrMapping/>
-  </p:clrMapOvr>
-</p:sld>
-</file>
-
 <file path=ppt/theme/theme1.xml><?xml version="1.0" encoding="utf-8"?>
 <a:theme xmlns:a="http://schemas.openxmlformats.org/drawingml/2006/main" name="Tema de Office">
   <a:themeElements>

--- a/Slides/3_Estructuras condicionales.pptx
+++ b/Slides/3_Estructuras condicionales.pptx
@@ -418,10 +418,25 @@
   <pc:docChgLst>
     <pc:chgData name="Cesar Augusto Lopez Gallego" userId="0dfa9112-9251-4882-b472-cf2dfcee09d1" providerId="ADAL" clId="{2C455F85-5D82-492E-9CD8-10137D83A03A}"/>
     <pc:docChg chg="undo redo custSel addSld delSld modSld">
-      <pc:chgData name="Cesar Augusto Lopez Gallego" userId="0dfa9112-9251-4882-b472-cf2dfcee09d1" providerId="ADAL" clId="{2C455F85-5D82-492E-9CD8-10137D83A03A}" dt="2024-07-30T14:29:03.859" v="1661"/>
+      <pc:chgData name="Cesar Augusto Lopez Gallego" userId="0dfa9112-9251-4882-b472-cf2dfcee09d1" providerId="ADAL" clId="{2C455F85-5D82-492E-9CD8-10137D83A03A}" dt="2024-07-31T14:14:11.354" v="1670" actId="13926"/>
       <pc:docMkLst>
         <pc:docMk/>
       </pc:docMkLst>
+      <pc:sldChg chg="modSp mod">
+        <pc:chgData name="Cesar Augusto Lopez Gallego" userId="0dfa9112-9251-4882-b472-cf2dfcee09d1" providerId="ADAL" clId="{2C455F85-5D82-492E-9CD8-10137D83A03A}" dt="2024-07-31T14:14:11.354" v="1670" actId="13926"/>
+        <pc:sldMkLst>
+          <pc:docMk/>
+          <pc:sldMk cId="3264384231" sldId="274"/>
+        </pc:sldMkLst>
+        <pc:spChg chg="mod">
+          <ac:chgData name="Cesar Augusto Lopez Gallego" userId="0dfa9112-9251-4882-b472-cf2dfcee09d1" providerId="ADAL" clId="{2C455F85-5D82-492E-9CD8-10137D83A03A}" dt="2024-07-31T14:14:11.354" v="1670" actId="13926"/>
+          <ac:spMkLst>
+            <pc:docMk/>
+            <pc:sldMk cId="3264384231" sldId="274"/>
+            <ac:spMk id="3" creationId="{00000000-0000-0000-0000-000000000000}"/>
+          </ac:spMkLst>
+        </pc:spChg>
+      </pc:sldChg>
       <pc:sldChg chg="modSp mod">
         <pc:chgData name="Cesar Augusto Lopez Gallego" userId="0dfa9112-9251-4882-b472-cf2dfcee09d1" providerId="ADAL" clId="{2C455F85-5D82-492E-9CD8-10137D83A03A}" dt="2024-07-30T14:21:05.367" v="1157" actId="1076"/>
         <pc:sldMkLst>
@@ -17220,7 +17235,7 @@
         </p:nvSpPr>
         <p:spPr>
           <a:xfrm>
-            <a:off x="681644" y="1733234"/>
+            <a:off x="1057424" y="1916114"/>
             <a:ext cx="11321935" cy="3323987"/>
           </a:xfrm>
           <a:prstGeom prst="rect">
@@ -17240,15 +17255,27 @@
               </a:lnSpc>
             </a:pPr>
             <a:r>
-              <a:rPr lang="es-ES" sz="2000" dirty="0"/>
+              <a:rPr lang="es-ES" sz="2000" dirty="0">
+                <a:highlight>
+                  <a:srgbClr val="FFFF00"/>
+                </a:highlight>
+              </a:rPr>
               <a:t>En un país se otorgará a las ciudades que tengan más de 100.000 habitantes y un área superior a 20.000Kms</a:t>
             </a:r>
             <a:r>
-              <a:rPr lang="es-ES" sz="2000" baseline="30000" dirty="0"/>
+              <a:rPr lang="es-ES" sz="2000" baseline="30000" dirty="0">
+                <a:highlight>
+                  <a:srgbClr val="FFFF00"/>
+                </a:highlight>
+              </a:rPr>
               <a:t>2</a:t>
             </a:r>
             <a:r>
-              <a:rPr lang="es-ES" sz="2000" dirty="0"/>
+              <a:rPr lang="es-ES" sz="2000" dirty="0">
+                <a:highlight>
+                  <a:srgbClr val="FFFF00"/>
+                </a:highlight>
+              </a:rPr>
               <a:t>, una partida para emergencias de 500.000.000. </a:t>
             </a:r>
           </a:p>
@@ -17259,15 +17286,27 @@
               </a:lnSpc>
             </a:pPr>
             <a:r>
-              <a:rPr lang="es-ES" sz="2000" dirty="0"/>
+              <a:rPr lang="es-ES" sz="2000" dirty="0">
+                <a:highlight>
+                  <a:srgbClr val="FFFF00"/>
+                </a:highlight>
+              </a:rPr>
               <a:t>Si tiene más de 100.000 habitantes pero un área menor o igual a 20.000Kms</a:t>
             </a:r>
             <a:r>
-              <a:rPr lang="es-ES" sz="2000" baseline="30000" dirty="0"/>
+              <a:rPr lang="es-ES" sz="2000" baseline="30000" dirty="0">
+                <a:highlight>
+                  <a:srgbClr val="FFFF00"/>
+                </a:highlight>
+              </a:rPr>
               <a:t>2</a:t>
             </a:r>
             <a:r>
-              <a:rPr lang="es-ES" sz="2000" dirty="0"/>
+              <a:rPr lang="es-ES" sz="2000" dirty="0">
+                <a:highlight>
+                  <a:srgbClr val="FFFF00"/>
+                </a:highlight>
+              </a:rPr>
               <a:t>, la partida será de 450.000.000</a:t>
             </a:r>
           </a:p>
@@ -17278,15 +17317,27 @@
               </a:lnSpc>
             </a:pPr>
             <a:r>
-              <a:rPr lang="es-ES" sz="2000" dirty="0"/>
+              <a:rPr lang="es-ES" sz="2000" dirty="0">
+                <a:highlight>
+                  <a:srgbClr val="FFFF00"/>
+                </a:highlight>
+              </a:rPr>
               <a:t>Si tiene entre 80.000 y 100.000 habitante y el área es mayor a 20.000  </a:t>
             </a:r>
             <a:r>
-              <a:rPr lang="es-ES" sz="2000" dirty="0" err="1"/>
+              <a:rPr lang="es-ES" sz="2000" dirty="0" err="1">
+                <a:highlight>
+                  <a:srgbClr val="FFFF00"/>
+                </a:highlight>
+              </a:rPr>
               <a:t>Kms</a:t>
             </a:r>
             <a:r>
-              <a:rPr lang="es-ES" sz="2000" dirty="0"/>
+              <a:rPr lang="es-ES" sz="2000" dirty="0">
+                <a:highlight>
+                  <a:srgbClr val="FFFF00"/>
+                </a:highlight>
+              </a:rPr>
               <a:t>, la partida será de 600.000.000</a:t>
             </a:r>
           </a:p>
